--- a/doc/test/AgendaSlidesDefault.pptx
+++ b/doc/test/AgendaSlidesDefault.pptx
@@ -161,7 +161,7 @@
       </p14:sectionLst>
     </p:ext>
     <p:ext uri="{EFAFB233-063F-42B5-8137-9DF3F51BA10A}">
-      <p15:sldGuideLst xmlns:p15="http://schemas.microsoft.com/office/powerpoint/2012/main" xmlns="">
+      <p15:sldGuideLst xmlns:p15="http://schemas.microsoft.com/office/powerpoint/2012/main">
         <p15:guide id="1" orient="horz" pos="2160">
           <p15:clr>
             <a:srgbClr val="A4A3A4"/>
@@ -216,10 +216,9 @@
           <a:lstStyle/>
           <a:p>
             <a:r>
-              <a:rPr lang="en-US" smtClean="0"/>
+              <a:rPr lang="en-US"/>
               <a:t>Click to edit Master title style</a:t>
             </a:r>
-            <a:endParaRPr lang="en-US"/>
           </a:p>
         </p:txBody>
       </p:sp>
@@ -335,10 +334,9 @@
           </a:lstStyle>
           <a:p>
             <a:r>
-              <a:rPr lang="en-US" smtClean="0"/>
+              <a:rPr lang="en-US"/>
               <a:t>Click to edit Master subtitle style</a:t>
             </a:r>
-            <a:endParaRPr lang="en-US"/>
           </a:p>
         </p:txBody>
       </p:sp>
@@ -359,7 +357,7 @@
           <a:p>
             <a:fld id="{699DC775-C286-4358-8C92-D7E584E969B3}" type="datetimeFigureOut">
               <a:rPr lang="en-US" smtClean="0"/>
-              <a:t>19-Jun-15</a:t>
+              <a:t>1/23/2017</a:t>
             </a:fld>
             <a:endParaRPr lang="en-US"/>
           </a:p>
@@ -453,10 +451,9 @@
           <a:lstStyle/>
           <a:p>
             <a:r>
-              <a:rPr lang="en-US" smtClean="0"/>
+              <a:rPr lang="en-US"/>
               <a:t>Click to edit Master title style</a:t>
             </a:r>
-            <a:endParaRPr lang="en-US"/>
           </a:p>
         </p:txBody>
       </p:sp>
@@ -477,38 +474,37 @@
           <a:p>
             <a:pPr lvl="0"/>
             <a:r>
-              <a:rPr lang="en-US" smtClean="0"/>
+              <a:rPr lang="en-US"/>
               <a:t>Click to edit Master text styles</a:t>
             </a:r>
           </a:p>
           <a:p>
             <a:pPr lvl="1"/>
             <a:r>
-              <a:rPr lang="en-US" smtClean="0"/>
+              <a:rPr lang="en-US"/>
               <a:t>Second level</a:t>
             </a:r>
           </a:p>
           <a:p>
             <a:pPr lvl="2"/>
             <a:r>
-              <a:rPr lang="en-US" smtClean="0"/>
+              <a:rPr lang="en-US"/>
               <a:t>Third level</a:t>
             </a:r>
           </a:p>
           <a:p>
             <a:pPr lvl="3"/>
             <a:r>
-              <a:rPr lang="en-US" smtClean="0"/>
+              <a:rPr lang="en-US"/>
               <a:t>Fourth level</a:t>
             </a:r>
           </a:p>
           <a:p>
             <a:pPr lvl="4"/>
             <a:r>
-              <a:rPr lang="en-US" smtClean="0"/>
+              <a:rPr lang="en-US"/>
               <a:t>Fifth level</a:t>
             </a:r>
-            <a:endParaRPr lang="en-US"/>
           </a:p>
         </p:txBody>
       </p:sp>
@@ -529,7 +525,7 @@
           <a:p>
             <a:fld id="{699DC775-C286-4358-8C92-D7E584E969B3}" type="datetimeFigureOut">
               <a:rPr lang="en-US" smtClean="0"/>
-              <a:t>19-Jun-15</a:t>
+              <a:t>1/23/2017</a:t>
             </a:fld>
             <a:endParaRPr lang="en-US"/>
           </a:p>
@@ -628,10 +624,9 @@
           <a:lstStyle/>
           <a:p>
             <a:r>
-              <a:rPr lang="en-US" smtClean="0"/>
+              <a:rPr lang="en-US"/>
               <a:t>Click to edit Master title style</a:t>
             </a:r>
-            <a:endParaRPr lang="en-US"/>
           </a:p>
         </p:txBody>
       </p:sp>
@@ -657,38 +652,37 @@
           <a:p>
             <a:pPr lvl="0"/>
             <a:r>
-              <a:rPr lang="en-US" smtClean="0"/>
+              <a:rPr lang="en-US"/>
               <a:t>Click to edit Master text styles</a:t>
             </a:r>
           </a:p>
           <a:p>
             <a:pPr lvl="1"/>
             <a:r>
-              <a:rPr lang="en-US" smtClean="0"/>
+              <a:rPr lang="en-US"/>
               <a:t>Second level</a:t>
             </a:r>
           </a:p>
           <a:p>
             <a:pPr lvl="2"/>
             <a:r>
-              <a:rPr lang="en-US" smtClean="0"/>
+              <a:rPr lang="en-US"/>
               <a:t>Third level</a:t>
             </a:r>
           </a:p>
           <a:p>
             <a:pPr lvl="3"/>
             <a:r>
-              <a:rPr lang="en-US" smtClean="0"/>
+              <a:rPr lang="en-US"/>
               <a:t>Fourth level</a:t>
             </a:r>
           </a:p>
           <a:p>
             <a:pPr lvl="4"/>
             <a:r>
-              <a:rPr lang="en-US" smtClean="0"/>
+              <a:rPr lang="en-US"/>
               <a:t>Fifth level</a:t>
             </a:r>
-            <a:endParaRPr lang="en-US"/>
           </a:p>
         </p:txBody>
       </p:sp>
@@ -709,7 +703,7 @@
           <a:p>
             <a:fld id="{699DC775-C286-4358-8C92-D7E584E969B3}" type="datetimeFigureOut">
               <a:rPr lang="en-US" smtClean="0"/>
-              <a:t>19-Jun-15</a:t>
+              <a:t>1/23/2017</a:t>
             </a:fld>
             <a:endParaRPr lang="en-US"/>
           </a:p>
@@ -808,10 +802,9 @@
           <a:lstStyle/>
           <a:p>
             <a:r>
-              <a:rPr lang="en-US" smtClean="0"/>
+              <a:rPr lang="en-US"/>
               <a:t>Click to edit Master title style</a:t>
             </a:r>
-            <a:endParaRPr lang="en-US"/>
           </a:p>
         </p:txBody>
       </p:sp>
@@ -927,10 +920,9 @@
           </a:lstStyle>
           <a:p>
             <a:r>
-              <a:rPr lang="en-US" smtClean="0"/>
+              <a:rPr lang="en-US"/>
               <a:t>Click to edit Master subtitle style</a:t>
             </a:r>
-            <a:endParaRPr lang="en-US"/>
           </a:p>
         </p:txBody>
       </p:sp>
@@ -951,7 +943,7 @@
           <a:p>
             <a:fld id="{699DC775-C286-4358-8C92-D7E584E969B3}" type="datetimeFigureOut">
               <a:rPr lang="en-US" smtClean="0"/>
-              <a:t>19-Jun-15</a:t>
+              <a:t>1/23/2017</a:t>
             </a:fld>
             <a:endParaRPr lang="en-US"/>
           </a:p>
@@ -1045,10 +1037,9 @@
           <a:lstStyle/>
           <a:p>
             <a:r>
-              <a:rPr lang="en-US" smtClean="0"/>
+              <a:rPr lang="en-US"/>
               <a:t>Click to edit Master title style</a:t>
             </a:r>
-            <a:endParaRPr lang="en-US"/>
           </a:p>
         </p:txBody>
       </p:sp>
@@ -1069,38 +1060,37 @@
           <a:p>
             <a:pPr lvl="0"/>
             <a:r>
-              <a:rPr lang="en-US" smtClean="0"/>
+              <a:rPr lang="en-US"/>
               <a:t>Click to edit Master text styles</a:t>
             </a:r>
           </a:p>
           <a:p>
             <a:pPr lvl="1"/>
             <a:r>
-              <a:rPr lang="en-US" smtClean="0"/>
+              <a:rPr lang="en-US"/>
               <a:t>Second level</a:t>
             </a:r>
           </a:p>
           <a:p>
             <a:pPr lvl="2"/>
             <a:r>
-              <a:rPr lang="en-US" smtClean="0"/>
+              <a:rPr lang="en-US"/>
               <a:t>Third level</a:t>
             </a:r>
           </a:p>
           <a:p>
             <a:pPr lvl="3"/>
             <a:r>
-              <a:rPr lang="en-US" smtClean="0"/>
+              <a:rPr lang="en-US"/>
               <a:t>Fourth level</a:t>
             </a:r>
           </a:p>
           <a:p>
             <a:pPr lvl="4"/>
             <a:r>
-              <a:rPr lang="en-US" smtClean="0"/>
+              <a:rPr lang="en-US"/>
               <a:t>Fifth level</a:t>
             </a:r>
-            <a:endParaRPr lang="en-US"/>
           </a:p>
         </p:txBody>
       </p:sp>
@@ -1121,7 +1111,7 @@
           <a:p>
             <a:fld id="{699DC775-C286-4358-8C92-D7E584E969B3}" type="datetimeFigureOut">
               <a:rPr lang="en-US" smtClean="0"/>
-              <a:t>19-Jun-15</a:t>
+              <a:t>1/23/2017</a:t>
             </a:fld>
             <a:endParaRPr lang="en-US"/>
           </a:p>
@@ -1224,10 +1214,9 @@
           </a:lstStyle>
           <a:p>
             <a:r>
-              <a:rPr lang="en-US" smtClean="0"/>
+              <a:rPr lang="en-US"/>
               <a:t>Click to edit Master title style</a:t>
             </a:r>
-            <a:endParaRPr lang="en-US"/>
           </a:p>
         </p:txBody>
       </p:sp>
@@ -1344,7 +1333,7 @@
           <a:p>
             <a:pPr lvl="0"/>
             <a:r>
-              <a:rPr lang="en-US" smtClean="0"/>
+              <a:rPr lang="en-US"/>
               <a:t>Click to edit Master text styles</a:t>
             </a:r>
           </a:p>
@@ -1367,7 +1356,7 @@
           <a:p>
             <a:fld id="{699DC775-C286-4358-8C92-D7E584E969B3}" type="datetimeFigureOut">
               <a:rPr lang="en-US" smtClean="0"/>
-              <a:t>19-Jun-15</a:t>
+              <a:t>1/23/2017</a:t>
             </a:fld>
             <a:endParaRPr lang="en-US"/>
           </a:p>
@@ -1461,10 +1450,9 @@
           <a:lstStyle/>
           <a:p>
             <a:r>
-              <a:rPr lang="en-US" smtClean="0"/>
+              <a:rPr lang="en-US"/>
               <a:t>Click to edit Master title style</a:t>
             </a:r>
-            <a:endParaRPr lang="en-US"/>
           </a:p>
         </p:txBody>
       </p:sp>
@@ -1518,38 +1506,37 @@
           <a:p>
             <a:pPr lvl="0"/>
             <a:r>
-              <a:rPr lang="en-US" smtClean="0"/>
+              <a:rPr lang="en-US"/>
               <a:t>Click to edit Master text styles</a:t>
             </a:r>
           </a:p>
           <a:p>
             <a:pPr lvl="1"/>
             <a:r>
-              <a:rPr lang="en-US" smtClean="0"/>
+              <a:rPr lang="en-US"/>
               <a:t>Second level</a:t>
             </a:r>
           </a:p>
           <a:p>
             <a:pPr lvl="2"/>
             <a:r>
-              <a:rPr lang="en-US" smtClean="0"/>
+              <a:rPr lang="en-US"/>
               <a:t>Third level</a:t>
             </a:r>
           </a:p>
           <a:p>
             <a:pPr lvl="3"/>
             <a:r>
-              <a:rPr lang="en-US" smtClean="0"/>
+              <a:rPr lang="en-US"/>
               <a:t>Fourth level</a:t>
             </a:r>
           </a:p>
           <a:p>
             <a:pPr lvl="4"/>
             <a:r>
-              <a:rPr lang="en-US" smtClean="0"/>
+              <a:rPr lang="en-US"/>
               <a:t>Fifth level</a:t>
             </a:r>
-            <a:endParaRPr lang="en-US"/>
           </a:p>
         </p:txBody>
       </p:sp>
@@ -1603,38 +1590,37 @@
           <a:p>
             <a:pPr lvl="0"/>
             <a:r>
-              <a:rPr lang="en-US" smtClean="0"/>
+              <a:rPr lang="en-US"/>
               <a:t>Click to edit Master text styles</a:t>
             </a:r>
           </a:p>
           <a:p>
             <a:pPr lvl="1"/>
             <a:r>
-              <a:rPr lang="en-US" smtClean="0"/>
+              <a:rPr lang="en-US"/>
               <a:t>Second level</a:t>
             </a:r>
           </a:p>
           <a:p>
             <a:pPr lvl="2"/>
             <a:r>
-              <a:rPr lang="en-US" smtClean="0"/>
+              <a:rPr lang="en-US"/>
               <a:t>Third level</a:t>
             </a:r>
           </a:p>
           <a:p>
             <a:pPr lvl="3"/>
             <a:r>
-              <a:rPr lang="en-US" smtClean="0"/>
+              <a:rPr lang="en-US"/>
               <a:t>Fourth level</a:t>
             </a:r>
           </a:p>
           <a:p>
             <a:pPr lvl="4"/>
             <a:r>
-              <a:rPr lang="en-US" smtClean="0"/>
+              <a:rPr lang="en-US"/>
               <a:t>Fifth level</a:t>
             </a:r>
-            <a:endParaRPr lang="en-US"/>
           </a:p>
         </p:txBody>
       </p:sp>
@@ -1655,7 +1641,7 @@
           <a:p>
             <a:fld id="{699DC775-C286-4358-8C92-D7E584E969B3}" type="datetimeFigureOut">
               <a:rPr lang="en-US" smtClean="0"/>
-              <a:t>19-Jun-15</a:t>
+              <a:t>1/23/2017</a:t>
             </a:fld>
             <a:endParaRPr lang="en-US"/>
           </a:p>
@@ -1753,10 +1739,9 @@
           </a:lstStyle>
           <a:p>
             <a:r>
-              <a:rPr lang="en-US" smtClean="0"/>
+              <a:rPr lang="en-US"/>
               <a:t>Click to edit Master title style</a:t>
             </a:r>
-            <a:endParaRPr lang="en-US"/>
           </a:p>
         </p:txBody>
       </p:sp>
@@ -1819,7 +1804,7 @@
           <a:p>
             <a:pPr lvl="0"/>
             <a:r>
-              <a:rPr lang="en-US" smtClean="0"/>
+              <a:rPr lang="en-US"/>
               <a:t>Click to edit Master text styles</a:t>
             </a:r>
           </a:p>
@@ -1875,38 +1860,37 @@
           <a:p>
             <a:pPr lvl="0"/>
             <a:r>
-              <a:rPr lang="en-US" smtClean="0"/>
+              <a:rPr lang="en-US"/>
               <a:t>Click to edit Master text styles</a:t>
             </a:r>
           </a:p>
           <a:p>
             <a:pPr lvl="1"/>
             <a:r>
-              <a:rPr lang="en-US" smtClean="0"/>
+              <a:rPr lang="en-US"/>
               <a:t>Second level</a:t>
             </a:r>
           </a:p>
           <a:p>
             <a:pPr lvl="2"/>
             <a:r>
-              <a:rPr lang="en-US" smtClean="0"/>
+              <a:rPr lang="en-US"/>
               <a:t>Third level</a:t>
             </a:r>
           </a:p>
           <a:p>
             <a:pPr lvl="3"/>
             <a:r>
-              <a:rPr lang="en-US" smtClean="0"/>
+              <a:rPr lang="en-US"/>
               <a:t>Fourth level</a:t>
             </a:r>
           </a:p>
           <a:p>
             <a:pPr lvl="4"/>
             <a:r>
-              <a:rPr lang="en-US" smtClean="0"/>
+              <a:rPr lang="en-US"/>
               <a:t>Fifth level</a:t>
             </a:r>
-            <a:endParaRPr lang="en-US"/>
           </a:p>
         </p:txBody>
       </p:sp>
@@ -1969,7 +1953,7 @@
           <a:p>
             <a:pPr lvl="0"/>
             <a:r>
-              <a:rPr lang="en-US" smtClean="0"/>
+              <a:rPr lang="en-US"/>
               <a:t>Click to edit Master text styles</a:t>
             </a:r>
           </a:p>
@@ -2025,38 +2009,37 @@
           <a:p>
             <a:pPr lvl="0"/>
             <a:r>
-              <a:rPr lang="en-US" smtClean="0"/>
+              <a:rPr lang="en-US"/>
               <a:t>Click to edit Master text styles</a:t>
             </a:r>
           </a:p>
           <a:p>
             <a:pPr lvl="1"/>
             <a:r>
-              <a:rPr lang="en-US" smtClean="0"/>
+              <a:rPr lang="en-US"/>
               <a:t>Second level</a:t>
             </a:r>
           </a:p>
           <a:p>
             <a:pPr lvl="2"/>
             <a:r>
-              <a:rPr lang="en-US" smtClean="0"/>
+              <a:rPr lang="en-US"/>
               <a:t>Third level</a:t>
             </a:r>
           </a:p>
           <a:p>
             <a:pPr lvl="3"/>
             <a:r>
-              <a:rPr lang="en-US" smtClean="0"/>
+              <a:rPr lang="en-US"/>
               <a:t>Fourth level</a:t>
             </a:r>
           </a:p>
           <a:p>
             <a:pPr lvl="4"/>
             <a:r>
-              <a:rPr lang="en-US" smtClean="0"/>
+              <a:rPr lang="en-US"/>
               <a:t>Fifth level</a:t>
             </a:r>
-            <a:endParaRPr lang="en-US"/>
           </a:p>
         </p:txBody>
       </p:sp>
@@ -2077,7 +2060,7 @@
           <a:p>
             <a:fld id="{699DC775-C286-4358-8C92-D7E584E969B3}" type="datetimeFigureOut">
               <a:rPr lang="en-US" smtClean="0"/>
-              <a:t>19-Jun-15</a:t>
+              <a:t>1/23/2017</a:t>
             </a:fld>
             <a:endParaRPr lang="en-US"/>
           </a:p>
@@ -2171,10 +2154,9 @@
           <a:lstStyle/>
           <a:p>
             <a:r>
-              <a:rPr lang="en-US" smtClean="0"/>
+              <a:rPr lang="en-US"/>
               <a:t>Click to edit Master title style</a:t>
             </a:r>
-            <a:endParaRPr lang="en-US"/>
           </a:p>
         </p:txBody>
       </p:sp>
@@ -2195,7 +2177,7 @@
           <a:p>
             <a:fld id="{699DC775-C286-4358-8C92-D7E584E969B3}" type="datetimeFigureOut">
               <a:rPr lang="en-US" smtClean="0"/>
-              <a:t>19-Jun-15</a:t>
+              <a:t>1/23/2017</a:t>
             </a:fld>
             <a:endParaRPr lang="en-US"/>
           </a:p>
@@ -2290,7 +2272,7 @@
           <a:p>
             <a:fld id="{699DC775-C286-4358-8C92-D7E584E969B3}" type="datetimeFigureOut">
               <a:rPr lang="en-US" smtClean="0"/>
-              <a:t>19-Jun-15</a:t>
+              <a:t>1/23/2017</a:t>
             </a:fld>
             <a:endParaRPr lang="en-US"/>
           </a:p>
@@ -2393,10 +2375,9 @@
           </a:lstStyle>
           <a:p>
             <a:r>
-              <a:rPr lang="en-US" smtClean="0"/>
+              <a:rPr lang="en-US"/>
               <a:t>Click to edit Master title style</a:t>
             </a:r>
-            <a:endParaRPr lang="en-US"/>
           </a:p>
         </p:txBody>
       </p:sp>
@@ -2450,38 +2431,37 @@
           <a:p>
             <a:pPr lvl="0"/>
             <a:r>
-              <a:rPr lang="en-US" smtClean="0"/>
+              <a:rPr lang="en-US"/>
               <a:t>Click to edit Master text styles</a:t>
             </a:r>
           </a:p>
           <a:p>
             <a:pPr lvl="1"/>
             <a:r>
-              <a:rPr lang="en-US" smtClean="0"/>
+              <a:rPr lang="en-US"/>
               <a:t>Second level</a:t>
             </a:r>
           </a:p>
           <a:p>
             <a:pPr lvl="2"/>
             <a:r>
-              <a:rPr lang="en-US" smtClean="0"/>
+              <a:rPr lang="en-US"/>
               <a:t>Third level</a:t>
             </a:r>
           </a:p>
           <a:p>
             <a:pPr lvl="3"/>
             <a:r>
-              <a:rPr lang="en-US" smtClean="0"/>
+              <a:rPr lang="en-US"/>
               <a:t>Fourth level</a:t>
             </a:r>
           </a:p>
           <a:p>
             <a:pPr lvl="4"/>
             <a:r>
-              <a:rPr lang="en-US" smtClean="0"/>
+              <a:rPr lang="en-US"/>
               <a:t>Fifth level</a:t>
             </a:r>
-            <a:endParaRPr lang="en-US"/>
           </a:p>
         </p:txBody>
       </p:sp>
@@ -2544,7 +2524,7 @@
           <a:p>
             <a:pPr lvl="0"/>
             <a:r>
-              <a:rPr lang="en-US" smtClean="0"/>
+              <a:rPr lang="en-US"/>
               <a:t>Click to edit Master text styles</a:t>
             </a:r>
           </a:p>
@@ -2567,7 +2547,7 @@
           <a:p>
             <a:fld id="{699DC775-C286-4358-8C92-D7E584E969B3}" type="datetimeFigureOut">
               <a:rPr lang="en-US" smtClean="0"/>
-              <a:t>19-Jun-15</a:t>
+              <a:t>1/23/2017</a:t>
             </a:fld>
             <a:endParaRPr lang="en-US"/>
           </a:p>
@@ -2661,10 +2641,9 @@
           <a:lstStyle/>
           <a:p>
             <a:r>
-              <a:rPr lang="en-US" smtClean="0"/>
+              <a:rPr lang="en-US"/>
               <a:t>Click to edit Master title style</a:t>
             </a:r>
-            <a:endParaRPr lang="en-US"/>
           </a:p>
         </p:txBody>
       </p:sp>
@@ -2685,38 +2664,37 @@
           <a:p>
             <a:pPr lvl="0"/>
             <a:r>
-              <a:rPr lang="en-US" smtClean="0"/>
+              <a:rPr lang="en-US"/>
               <a:t>Click to edit Master text styles</a:t>
             </a:r>
           </a:p>
           <a:p>
             <a:pPr lvl="1"/>
             <a:r>
-              <a:rPr lang="en-US" smtClean="0"/>
+              <a:rPr lang="en-US"/>
               <a:t>Second level</a:t>
             </a:r>
           </a:p>
           <a:p>
             <a:pPr lvl="2"/>
             <a:r>
-              <a:rPr lang="en-US" smtClean="0"/>
+              <a:rPr lang="en-US"/>
               <a:t>Third level</a:t>
             </a:r>
           </a:p>
           <a:p>
             <a:pPr lvl="3"/>
             <a:r>
-              <a:rPr lang="en-US" smtClean="0"/>
+              <a:rPr lang="en-US"/>
               <a:t>Fourth level</a:t>
             </a:r>
           </a:p>
           <a:p>
             <a:pPr lvl="4"/>
             <a:r>
-              <a:rPr lang="en-US" smtClean="0"/>
+              <a:rPr lang="en-US"/>
               <a:t>Fifth level</a:t>
             </a:r>
-            <a:endParaRPr lang="en-US"/>
           </a:p>
         </p:txBody>
       </p:sp>
@@ -2737,7 +2715,7 @@
           <a:p>
             <a:fld id="{699DC775-C286-4358-8C92-D7E584E969B3}" type="datetimeFigureOut">
               <a:rPr lang="en-US" smtClean="0"/>
-              <a:t>19-Jun-15</a:t>
+              <a:t>1/23/2017</a:t>
             </a:fld>
             <a:endParaRPr lang="en-US"/>
           </a:p>
@@ -2840,10 +2818,9 @@
           </a:lstStyle>
           <a:p>
             <a:r>
-              <a:rPr lang="en-US" smtClean="0"/>
+              <a:rPr lang="en-US"/>
               <a:t>Click to edit Master title style</a:t>
             </a:r>
-            <a:endParaRPr lang="en-US"/>
           </a:p>
         </p:txBody>
       </p:sp>
@@ -2967,7 +2944,7 @@
           <a:p>
             <a:pPr lvl="0"/>
             <a:r>
-              <a:rPr lang="en-US" smtClean="0"/>
+              <a:rPr lang="en-US"/>
               <a:t>Click to edit Master text styles</a:t>
             </a:r>
           </a:p>
@@ -2990,7 +2967,7 @@
           <a:p>
             <a:fld id="{699DC775-C286-4358-8C92-D7E584E969B3}" type="datetimeFigureOut">
               <a:rPr lang="en-US" smtClean="0"/>
-              <a:t>19-Jun-15</a:t>
+              <a:t>1/23/2017</a:t>
             </a:fld>
             <a:endParaRPr lang="en-US"/>
           </a:p>
@@ -3084,10 +3061,9 @@
           <a:lstStyle/>
           <a:p>
             <a:r>
-              <a:rPr lang="en-US" smtClean="0"/>
+              <a:rPr lang="en-US"/>
               <a:t>Click to edit Master title style</a:t>
             </a:r>
-            <a:endParaRPr lang="en-US"/>
           </a:p>
         </p:txBody>
       </p:sp>
@@ -3108,38 +3084,37 @@
           <a:p>
             <a:pPr lvl="0"/>
             <a:r>
-              <a:rPr lang="en-US" smtClean="0"/>
+              <a:rPr lang="en-US"/>
               <a:t>Click to edit Master text styles</a:t>
             </a:r>
           </a:p>
           <a:p>
             <a:pPr lvl="1"/>
             <a:r>
-              <a:rPr lang="en-US" smtClean="0"/>
+              <a:rPr lang="en-US"/>
               <a:t>Second level</a:t>
             </a:r>
           </a:p>
           <a:p>
             <a:pPr lvl="2"/>
             <a:r>
-              <a:rPr lang="en-US" smtClean="0"/>
+              <a:rPr lang="en-US"/>
               <a:t>Third level</a:t>
             </a:r>
           </a:p>
           <a:p>
             <a:pPr lvl="3"/>
             <a:r>
-              <a:rPr lang="en-US" smtClean="0"/>
+              <a:rPr lang="en-US"/>
               <a:t>Fourth level</a:t>
             </a:r>
           </a:p>
           <a:p>
             <a:pPr lvl="4"/>
             <a:r>
-              <a:rPr lang="en-US" smtClean="0"/>
+              <a:rPr lang="en-US"/>
               <a:t>Fifth level</a:t>
             </a:r>
-            <a:endParaRPr lang="en-US"/>
           </a:p>
         </p:txBody>
       </p:sp>
@@ -3160,7 +3135,7 @@
           <a:p>
             <a:fld id="{699DC775-C286-4358-8C92-D7E584E969B3}" type="datetimeFigureOut">
               <a:rPr lang="en-US" smtClean="0"/>
-              <a:t>19-Jun-15</a:t>
+              <a:t>1/23/2017</a:t>
             </a:fld>
             <a:endParaRPr lang="en-US"/>
           </a:p>
@@ -3259,10 +3234,9 @@
           <a:lstStyle/>
           <a:p>
             <a:r>
-              <a:rPr lang="en-US" smtClean="0"/>
+              <a:rPr lang="en-US"/>
               <a:t>Click to edit Master title style</a:t>
             </a:r>
-            <a:endParaRPr lang="en-US"/>
           </a:p>
         </p:txBody>
       </p:sp>
@@ -3288,38 +3262,37 @@
           <a:p>
             <a:pPr lvl="0"/>
             <a:r>
-              <a:rPr lang="en-US" smtClean="0"/>
+              <a:rPr lang="en-US"/>
               <a:t>Click to edit Master text styles</a:t>
             </a:r>
           </a:p>
           <a:p>
             <a:pPr lvl="1"/>
             <a:r>
-              <a:rPr lang="en-US" smtClean="0"/>
+              <a:rPr lang="en-US"/>
               <a:t>Second level</a:t>
             </a:r>
           </a:p>
           <a:p>
             <a:pPr lvl="2"/>
             <a:r>
-              <a:rPr lang="en-US" smtClean="0"/>
+              <a:rPr lang="en-US"/>
               <a:t>Third level</a:t>
             </a:r>
           </a:p>
           <a:p>
             <a:pPr lvl="3"/>
             <a:r>
-              <a:rPr lang="en-US" smtClean="0"/>
+              <a:rPr lang="en-US"/>
               <a:t>Fourth level</a:t>
             </a:r>
           </a:p>
           <a:p>
             <a:pPr lvl="4"/>
             <a:r>
-              <a:rPr lang="en-US" smtClean="0"/>
+              <a:rPr lang="en-US"/>
               <a:t>Fifth level</a:t>
             </a:r>
-            <a:endParaRPr lang="en-US"/>
           </a:p>
         </p:txBody>
       </p:sp>
@@ -3340,7 +3313,7 @@
           <a:p>
             <a:fld id="{699DC775-C286-4358-8C92-D7E584E969B3}" type="datetimeFigureOut">
               <a:rPr lang="en-US" smtClean="0"/>
-              <a:t>19-Jun-15</a:t>
+              <a:t>1/23/2017</a:t>
             </a:fld>
             <a:endParaRPr lang="en-US"/>
           </a:p>
@@ -3447,10 +3420,9 @@
           <a:lstStyle/>
           <a:p>
             <a:r>
-              <a:rPr lang="en-US" smtClean="0"/>
+              <a:rPr lang="en-US"/>
               <a:t>Click to edit Master title style</a:t>
             </a:r>
-            <a:endParaRPr lang="en-US"/>
           </a:p>
         </p:txBody>
       </p:sp>
@@ -3566,10 +3538,9 @@
           </a:lstStyle>
           <a:p>
             <a:r>
-              <a:rPr lang="en-US" smtClean="0"/>
+              <a:rPr lang="en-US"/>
               <a:t>Click to edit Master subtitle style</a:t>
             </a:r>
-            <a:endParaRPr lang="en-US"/>
           </a:p>
         </p:txBody>
       </p:sp>
@@ -3590,7 +3561,7 @@
           <a:p>
             <a:fld id="{699DC775-C286-4358-8C92-D7E584E969B3}" type="datetimeFigureOut">
               <a:rPr lang="en-US" smtClean="0"/>
-              <a:t>19-Jun-15</a:t>
+              <a:t>1/23/2017</a:t>
             </a:fld>
             <a:endParaRPr lang="en-US"/>
           </a:p>
@@ -3692,10 +3663,9 @@
           <a:lstStyle/>
           <a:p>
             <a:r>
-              <a:rPr lang="en-US" smtClean="0"/>
+              <a:rPr lang="en-US"/>
               <a:t>Click to edit Master title style</a:t>
             </a:r>
-            <a:endParaRPr lang="en-US"/>
           </a:p>
         </p:txBody>
       </p:sp>
@@ -3716,38 +3686,37 @@
           <a:p>
             <a:pPr lvl="0"/>
             <a:r>
-              <a:rPr lang="en-US" smtClean="0"/>
+              <a:rPr lang="en-US"/>
               <a:t>Click to edit Master text styles</a:t>
             </a:r>
           </a:p>
           <a:p>
             <a:pPr lvl="1"/>
             <a:r>
-              <a:rPr lang="en-US" smtClean="0"/>
+              <a:rPr lang="en-US"/>
               <a:t>Second level</a:t>
             </a:r>
           </a:p>
           <a:p>
             <a:pPr lvl="2"/>
             <a:r>
-              <a:rPr lang="en-US" smtClean="0"/>
+              <a:rPr lang="en-US"/>
               <a:t>Third level</a:t>
             </a:r>
           </a:p>
           <a:p>
             <a:pPr lvl="3"/>
             <a:r>
-              <a:rPr lang="en-US" smtClean="0"/>
+              <a:rPr lang="en-US"/>
               <a:t>Fourth level</a:t>
             </a:r>
           </a:p>
           <a:p>
             <a:pPr lvl="4"/>
             <a:r>
-              <a:rPr lang="en-US" smtClean="0"/>
+              <a:rPr lang="en-US"/>
               <a:t>Fifth level</a:t>
             </a:r>
-            <a:endParaRPr lang="en-US"/>
           </a:p>
         </p:txBody>
       </p:sp>
@@ -3768,7 +3737,7 @@
           <a:p>
             <a:fld id="{699DC775-C286-4358-8C92-D7E584E969B3}" type="datetimeFigureOut">
               <a:rPr lang="en-US" smtClean="0"/>
-              <a:t>19-Jun-15</a:t>
+              <a:t>1/23/2017</a:t>
             </a:fld>
             <a:endParaRPr lang="en-US"/>
           </a:p>
@@ -3879,10 +3848,9 @@
           </a:lstStyle>
           <a:p>
             <a:r>
-              <a:rPr lang="en-US" smtClean="0"/>
+              <a:rPr lang="en-US"/>
               <a:t>Click to edit Master title style</a:t>
             </a:r>
-            <a:endParaRPr lang="en-US"/>
           </a:p>
         </p:txBody>
       </p:sp>
@@ -3999,7 +3967,7 @@
           <a:p>
             <a:pPr lvl="0"/>
             <a:r>
-              <a:rPr lang="en-US" smtClean="0"/>
+              <a:rPr lang="en-US"/>
               <a:t>Click to edit Master text styles</a:t>
             </a:r>
           </a:p>
@@ -4022,7 +3990,7 @@
           <a:p>
             <a:fld id="{699DC775-C286-4358-8C92-D7E584E969B3}" type="datetimeFigureOut">
               <a:rPr lang="en-US" smtClean="0"/>
-              <a:t>19-Jun-15</a:t>
+              <a:t>1/23/2017</a:t>
             </a:fld>
             <a:endParaRPr lang="en-US"/>
           </a:p>
@@ -4124,10 +4092,9 @@
           <a:lstStyle/>
           <a:p>
             <a:r>
-              <a:rPr lang="en-US" smtClean="0"/>
+              <a:rPr lang="en-US"/>
               <a:t>Click to edit Master title style</a:t>
             </a:r>
-            <a:endParaRPr lang="en-US"/>
           </a:p>
         </p:txBody>
       </p:sp>
@@ -4181,38 +4148,37 @@
           <a:p>
             <a:pPr lvl="0"/>
             <a:r>
-              <a:rPr lang="en-US" smtClean="0"/>
+              <a:rPr lang="en-US"/>
               <a:t>Click to edit Master text styles</a:t>
             </a:r>
           </a:p>
           <a:p>
             <a:pPr lvl="1"/>
             <a:r>
-              <a:rPr lang="en-US" smtClean="0"/>
+              <a:rPr lang="en-US"/>
               <a:t>Second level</a:t>
             </a:r>
           </a:p>
           <a:p>
             <a:pPr lvl="2"/>
             <a:r>
-              <a:rPr lang="en-US" smtClean="0"/>
+              <a:rPr lang="en-US"/>
               <a:t>Third level</a:t>
             </a:r>
           </a:p>
           <a:p>
             <a:pPr lvl="3"/>
             <a:r>
-              <a:rPr lang="en-US" smtClean="0"/>
+              <a:rPr lang="en-US"/>
               <a:t>Fourth level</a:t>
             </a:r>
           </a:p>
           <a:p>
             <a:pPr lvl="4"/>
             <a:r>
-              <a:rPr lang="en-US" smtClean="0"/>
+              <a:rPr lang="en-US"/>
               <a:t>Fifth level</a:t>
             </a:r>
-            <a:endParaRPr lang="en-US"/>
           </a:p>
         </p:txBody>
       </p:sp>
@@ -4266,38 +4232,37 @@
           <a:p>
             <a:pPr lvl="0"/>
             <a:r>
-              <a:rPr lang="en-US" smtClean="0"/>
+              <a:rPr lang="en-US"/>
               <a:t>Click to edit Master text styles</a:t>
             </a:r>
           </a:p>
           <a:p>
             <a:pPr lvl="1"/>
             <a:r>
-              <a:rPr lang="en-US" smtClean="0"/>
+              <a:rPr lang="en-US"/>
               <a:t>Second level</a:t>
             </a:r>
           </a:p>
           <a:p>
             <a:pPr lvl="2"/>
             <a:r>
-              <a:rPr lang="en-US" smtClean="0"/>
+              <a:rPr lang="en-US"/>
               <a:t>Third level</a:t>
             </a:r>
           </a:p>
           <a:p>
             <a:pPr lvl="3"/>
             <a:r>
-              <a:rPr lang="en-US" smtClean="0"/>
+              <a:rPr lang="en-US"/>
               <a:t>Fourth level</a:t>
             </a:r>
           </a:p>
           <a:p>
             <a:pPr lvl="4"/>
             <a:r>
-              <a:rPr lang="en-US" smtClean="0"/>
+              <a:rPr lang="en-US"/>
               <a:t>Fifth level</a:t>
             </a:r>
-            <a:endParaRPr lang="en-US"/>
           </a:p>
         </p:txBody>
       </p:sp>
@@ -4318,7 +4283,7 @@
           <a:p>
             <a:fld id="{699DC775-C286-4358-8C92-D7E584E969B3}" type="datetimeFigureOut">
               <a:rPr lang="en-US" smtClean="0"/>
-              <a:t>19-Jun-15</a:t>
+              <a:t>1/23/2017</a:t>
             </a:fld>
             <a:endParaRPr lang="en-US"/>
           </a:p>
@@ -4424,10 +4389,9 @@
           </a:lstStyle>
           <a:p>
             <a:r>
-              <a:rPr lang="en-US" smtClean="0"/>
+              <a:rPr lang="en-US"/>
               <a:t>Click to edit Master title style</a:t>
             </a:r>
-            <a:endParaRPr lang="en-US"/>
           </a:p>
         </p:txBody>
       </p:sp>
@@ -4490,7 +4454,7 @@
           <a:p>
             <a:pPr lvl="0"/>
             <a:r>
-              <a:rPr lang="en-US" smtClean="0"/>
+              <a:rPr lang="en-US"/>
               <a:t>Click to edit Master text styles</a:t>
             </a:r>
           </a:p>
@@ -4546,38 +4510,37 @@
           <a:p>
             <a:pPr lvl="0"/>
             <a:r>
-              <a:rPr lang="en-US" smtClean="0"/>
+              <a:rPr lang="en-US"/>
               <a:t>Click to edit Master text styles</a:t>
             </a:r>
           </a:p>
           <a:p>
             <a:pPr lvl="1"/>
             <a:r>
-              <a:rPr lang="en-US" smtClean="0"/>
+              <a:rPr lang="en-US"/>
               <a:t>Second level</a:t>
             </a:r>
           </a:p>
           <a:p>
             <a:pPr lvl="2"/>
             <a:r>
-              <a:rPr lang="en-US" smtClean="0"/>
+              <a:rPr lang="en-US"/>
               <a:t>Third level</a:t>
             </a:r>
           </a:p>
           <a:p>
             <a:pPr lvl="3"/>
             <a:r>
-              <a:rPr lang="en-US" smtClean="0"/>
+              <a:rPr lang="en-US"/>
               <a:t>Fourth level</a:t>
             </a:r>
           </a:p>
           <a:p>
             <a:pPr lvl="4"/>
             <a:r>
-              <a:rPr lang="en-US" smtClean="0"/>
+              <a:rPr lang="en-US"/>
               <a:t>Fifth level</a:t>
             </a:r>
-            <a:endParaRPr lang="en-US"/>
           </a:p>
         </p:txBody>
       </p:sp>
@@ -4640,7 +4603,7 @@
           <a:p>
             <a:pPr lvl="0"/>
             <a:r>
-              <a:rPr lang="en-US" smtClean="0"/>
+              <a:rPr lang="en-US"/>
               <a:t>Click to edit Master text styles</a:t>
             </a:r>
           </a:p>
@@ -4696,38 +4659,37 @@
           <a:p>
             <a:pPr lvl="0"/>
             <a:r>
-              <a:rPr lang="en-US" smtClean="0"/>
+              <a:rPr lang="en-US"/>
               <a:t>Click to edit Master text styles</a:t>
             </a:r>
           </a:p>
           <a:p>
             <a:pPr lvl="1"/>
             <a:r>
-              <a:rPr lang="en-US" smtClean="0"/>
+              <a:rPr lang="en-US"/>
               <a:t>Second level</a:t>
             </a:r>
           </a:p>
           <a:p>
             <a:pPr lvl="2"/>
             <a:r>
-              <a:rPr lang="en-US" smtClean="0"/>
+              <a:rPr lang="en-US"/>
               <a:t>Third level</a:t>
             </a:r>
           </a:p>
           <a:p>
             <a:pPr lvl="3"/>
             <a:r>
-              <a:rPr lang="en-US" smtClean="0"/>
+              <a:rPr lang="en-US"/>
               <a:t>Fourth level</a:t>
             </a:r>
           </a:p>
           <a:p>
             <a:pPr lvl="4"/>
             <a:r>
-              <a:rPr lang="en-US" smtClean="0"/>
+              <a:rPr lang="en-US"/>
               <a:t>Fifth level</a:t>
             </a:r>
-            <a:endParaRPr lang="en-US"/>
           </a:p>
         </p:txBody>
       </p:sp>
@@ -4748,7 +4710,7 @@
           <a:p>
             <a:fld id="{699DC775-C286-4358-8C92-D7E584E969B3}" type="datetimeFigureOut">
               <a:rPr lang="en-US" smtClean="0"/>
-              <a:t>19-Jun-15</a:t>
+              <a:t>1/23/2017</a:t>
             </a:fld>
             <a:endParaRPr lang="en-US"/>
           </a:p>
@@ -4850,10 +4812,9 @@
           <a:lstStyle/>
           <a:p>
             <a:r>
-              <a:rPr lang="en-US" smtClean="0"/>
+              <a:rPr lang="en-US"/>
               <a:t>Click to edit Master title style</a:t>
             </a:r>
-            <a:endParaRPr lang="en-US"/>
           </a:p>
         </p:txBody>
       </p:sp>
@@ -4874,7 +4835,7 @@
           <a:p>
             <a:fld id="{699DC775-C286-4358-8C92-D7E584E969B3}" type="datetimeFigureOut">
               <a:rPr lang="en-US" smtClean="0"/>
-              <a:t>19-Jun-15</a:t>
+              <a:t>1/23/2017</a:t>
             </a:fld>
             <a:endParaRPr lang="en-US"/>
           </a:p>
@@ -4977,7 +4938,7 @@
           <a:p>
             <a:fld id="{699DC775-C286-4358-8C92-D7E584E969B3}" type="datetimeFigureOut">
               <a:rPr lang="en-US" smtClean="0"/>
-              <a:t>19-Jun-15</a:t>
+              <a:t>1/23/2017</a:t>
             </a:fld>
             <a:endParaRPr lang="en-US"/>
           </a:p>
@@ -5080,10 +5041,9 @@
           </a:lstStyle>
           <a:p>
             <a:r>
-              <a:rPr lang="en-US" smtClean="0"/>
+              <a:rPr lang="en-US"/>
               <a:t>Click to edit Master title style</a:t>
             </a:r>
-            <a:endParaRPr lang="en-US"/>
           </a:p>
         </p:txBody>
       </p:sp>
@@ -5200,7 +5160,7 @@
           <a:p>
             <a:pPr lvl="0"/>
             <a:r>
-              <a:rPr lang="en-US" smtClean="0"/>
+              <a:rPr lang="en-US"/>
               <a:t>Click to edit Master text styles</a:t>
             </a:r>
           </a:p>
@@ -5223,7 +5183,7 @@
           <a:p>
             <a:fld id="{699DC775-C286-4358-8C92-D7E584E969B3}" type="datetimeFigureOut">
               <a:rPr lang="en-US" smtClean="0"/>
-              <a:t>19-Jun-15</a:t>
+              <a:t>1/23/2017</a:t>
             </a:fld>
             <a:endParaRPr lang="en-US"/>
           </a:p>
@@ -5334,10 +5294,9 @@
           </a:lstStyle>
           <a:p>
             <a:r>
-              <a:rPr lang="en-US" smtClean="0"/>
+              <a:rPr lang="en-US"/>
               <a:t>Click to edit Master title style</a:t>
             </a:r>
-            <a:endParaRPr lang="en-US"/>
           </a:p>
         </p:txBody>
       </p:sp>
@@ -5391,38 +5350,37 @@
           <a:p>
             <a:pPr lvl="0"/>
             <a:r>
-              <a:rPr lang="en-US" smtClean="0"/>
+              <a:rPr lang="en-US"/>
               <a:t>Click to edit Master text styles</a:t>
             </a:r>
           </a:p>
           <a:p>
             <a:pPr lvl="1"/>
             <a:r>
-              <a:rPr lang="en-US" smtClean="0"/>
+              <a:rPr lang="en-US"/>
               <a:t>Second level</a:t>
             </a:r>
           </a:p>
           <a:p>
             <a:pPr lvl="2"/>
             <a:r>
-              <a:rPr lang="en-US" smtClean="0"/>
+              <a:rPr lang="en-US"/>
               <a:t>Third level</a:t>
             </a:r>
           </a:p>
           <a:p>
             <a:pPr lvl="3"/>
             <a:r>
-              <a:rPr lang="en-US" smtClean="0"/>
+              <a:rPr lang="en-US"/>
               <a:t>Fourth level</a:t>
             </a:r>
           </a:p>
           <a:p>
             <a:pPr lvl="4"/>
             <a:r>
-              <a:rPr lang="en-US" smtClean="0"/>
+              <a:rPr lang="en-US"/>
               <a:t>Fifth level</a:t>
             </a:r>
-            <a:endParaRPr lang="en-US"/>
           </a:p>
         </p:txBody>
       </p:sp>
@@ -5485,7 +5443,7 @@
           <a:p>
             <a:pPr lvl="0"/>
             <a:r>
-              <a:rPr lang="en-US" smtClean="0"/>
+              <a:rPr lang="en-US"/>
               <a:t>Click to edit Master text styles</a:t>
             </a:r>
           </a:p>
@@ -5508,7 +5466,7 @@
           <a:p>
             <a:fld id="{699DC775-C286-4358-8C92-D7E584E969B3}" type="datetimeFigureOut">
               <a:rPr lang="en-US" smtClean="0"/>
-              <a:t>19-Jun-15</a:t>
+              <a:t>1/23/2017</a:t>
             </a:fld>
             <a:endParaRPr lang="en-US"/>
           </a:p>
@@ -5619,10 +5577,9 @@
           </a:lstStyle>
           <a:p>
             <a:r>
-              <a:rPr lang="en-US" smtClean="0"/>
+              <a:rPr lang="en-US"/>
               <a:t>Click to edit Master title style</a:t>
             </a:r>
-            <a:endParaRPr lang="en-US"/>
           </a:p>
         </p:txBody>
       </p:sp>
@@ -5746,7 +5703,7 @@
           <a:p>
             <a:pPr lvl="0"/>
             <a:r>
-              <a:rPr lang="en-US" smtClean="0"/>
+              <a:rPr lang="en-US"/>
               <a:t>Click to edit Master text styles</a:t>
             </a:r>
           </a:p>
@@ -5769,7 +5726,7 @@
           <a:p>
             <a:fld id="{699DC775-C286-4358-8C92-D7E584E969B3}" type="datetimeFigureOut">
               <a:rPr lang="en-US" smtClean="0"/>
-              <a:t>19-Jun-15</a:t>
+              <a:t>1/23/2017</a:t>
             </a:fld>
             <a:endParaRPr lang="en-US"/>
           </a:p>
@@ -5871,10 +5828,9 @@
           <a:lstStyle/>
           <a:p>
             <a:r>
-              <a:rPr lang="en-US" smtClean="0"/>
+              <a:rPr lang="en-US"/>
               <a:t>Click to edit Master title style</a:t>
             </a:r>
-            <a:endParaRPr lang="en-US"/>
           </a:p>
         </p:txBody>
       </p:sp>
@@ -5895,38 +5851,37 @@
           <a:p>
             <a:pPr lvl="0"/>
             <a:r>
-              <a:rPr lang="en-US" smtClean="0"/>
+              <a:rPr lang="en-US"/>
               <a:t>Click to edit Master text styles</a:t>
             </a:r>
           </a:p>
           <a:p>
             <a:pPr lvl="1"/>
             <a:r>
-              <a:rPr lang="en-US" smtClean="0"/>
+              <a:rPr lang="en-US"/>
               <a:t>Second level</a:t>
             </a:r>
           </a:p>
           <a:p>
             <a:pPr lvl="2"/>
             <a:r>
-              <a:rPr lang="en-US" smtClean="0"/>
+              <a:rPr lang="en-US"/>
               <a:t>Third level</a:t>
             </a:r>
           </a:p>
           <a:p>
             <a:pPr lvl="3"/>
             <a:r>
-              <a:rPr lang="en-US" smtClean="0"/>
+              <a:rPr lang="en-US"/>
               <a:t>Fourth level</a:t>
             </a:r>
           </a:p>
           <a:p>
             <a:pPr lvl="4"/>
             <a:r>
-              <a:rPr lang="en-US" smtClean="0"/>
+              <a:rPr lang="en-US"/>
               <a:t>Fifth level</a:t>
             </a:r>
-            <a:endParaRPr lang="en-US"/>
           </a:p>
         </p:txBody>
       </p:sp>
@@ -5947,7 +5902,7 @@
           <a:p>
             <a:fld id="{699DC775-C286-4358-8C92-D7E584E969B3}" type="datetimeFigureOut">
               <a:rPr lang="en-US" smtClean="0"/>
-              <a:t>19-Jun-15</a:t>
+              <a:t>1/23/2017</a:t>
             </a:fld>
             <a:endParaRPr lang="en-US"/>
           </a:p>
@@ -6054,10 +6009,9 @@
           <a:lstStyle/>
           <a:p>
             <a:r>
-              <a:rPr lang="en-US" smtClean="0"/>
+              <a:rPr lang="en-US"/>
               <a:t>Click to edit Master title style</a:t>
             </a:r>
-            <a:endParaRPr lang="en-US"/>
           </a:p>
         </p:txBody>
       </p:sp>
@@ -6083,38 +6037,37 @@
           <a:p>
             <a:pPr lvl="0"/>
             <a:r>
-              <a:rPr lang="en-US" smtClean="0"/>
+              <a:rPr lang="en-US"/>
               <a:t>Click to edit Master text styles</a:t>
             </a:r>
           </a:p>
           <a:p>
             <a:pPr lvl="1"/>
             <a:r>
-              <a:rPr lang="en-US" smtClean="0"/>
+              <a:rPr lang="en-US"/>
               <a:t>Second level</a:t>
             </a:r>
           </a:p>
           <a:p>
             <a:pPr lvl="2"/>
             <a:r>
-              <a:rPr lang="en-US" smtClean="0"/>
+              <a:rPr lang="en-US"/>
               <a:t>Third level</a:t>
             </a:r>
           </a:p>
           <a:p>
             <a:pPr lvl="3"/>
             <a:r>
-              <a:rPr lang="en-US" smtClean="0"/>
+              <a:rPr lang="en-US"/>
               <a:t>Fourth level</a:t>
             </a:r>
           </a:p>
           <a:p>
             <a:pPr lvl="4"/>
             <a:r>
-              <a:rPr lang="en-US" smtClean="0"/>
+              <a:rPr lang="en-US"/>
               <a:t>Fifth level</a:t>
             </a:r>
-            <a:endParaRPr lang="en-US"/>
           </a:p>
         </p:txBody>
       </p:sp>
@@ -6135,7 +6088,7 @@
           <a:p>
             <a:fld id="{699DC775-C286-4358-8C92-D7E584E969B3}" type="datetimeFigureOut">
               <a:rPr lang="en-US" smtClean="0"/>
-              <a:t>19-Jun-15</a:t>
+              <a:t>1/23/2017</a:t>
             </a:fld>
             <a:endParaRPr lang="en-US"/>
           </a:p>
@@ -6229,10 +6182,9 @@
           <a:lstStyle/>
           <a:p>
             <a:r>
-              <a:rPr lang="en-US" smtClean="0"/>
+              <a:rPr lang="en-US"/>
               <a:t>Click to edit Master title style</a:t>
             </a:r>
-            <a:endParaRPr lang="en-US"/>
           </a:p>
         </p:txBody>
       </p:sp>
@@ -6286,38 +6238,37 @@
           <a:p>
             <a:pPr lvl="0"/>
             <a:r>
-              <a:rPr lang="en-US" smtClean="0"/>
+              <a:rPr lang="en-US"/>
               <a:t>Click to edit Master text styles</a:t>
             </a:r>
           </a:p>
           <a:p>
             <a:pPr lvl="1"/>
             <a:r>
-              <a:rPr lang="en-US" smtClean="0"/>
+              <a:rPr lang="en-US"/>
               <a:t>Second level</a:t>
             </a:r>
           </a:p>
           <a:p>
             <a:pPr lvl="2"/>
             <a:r>
-              <a:rPr lang="en-US" smtClean="0"/>
+              <a:rPr lang="en-US"/>
               <a:t>Third level</a:t>
             </a:r>
           </a:p>
           <a:p>
             <a:pPr lvl="3"/>
             <a:r>
-              <a:rPr lang="en-US" smtClean="0"/>
+              <a:rPr lang="en-US"/>
               <a:t>Fourth level</a:t>
             </a:r>
           </a:p>
           <a:p>
             <a:pPr lvl="4"/>
             <a:r>
-              <a:rPr lang="en-US" smtClean="0"/>
+              <a:rPr lang="en-US"/>
               <a:t>Fifth level</a:t>
             </a:r>
-            <a:endParaRPr lang="en-US"/>
           </a:p>
         </p:txBody>
       </p:sp>
@@ -6371,38 +6322,37 @@
           <a:p>
             <a:pPr lvl="0"/>
             <a:r>
-              <a:rPr lang="en-US" smtClean="0"/>
+              <a:rPr lang="en-US"/>
               <a:t>Click to edit Master text styles</a:t>
             </a:r>
           </a:p>
           <a:p>
             <a:pPr lvl="1"/>
             <a:r>
-              <a:rPr lang="en-US" smtClean="0"/>
+              <a:rPr lang="en-US"/>
               <a:t>Second level</a:t>
             </a:r>
           </a:p>
           <a:p>
             <a:pPr lvl="2"/>
             <a:r>
-              <a:rPr lang="en-US" smtClean="0"/>
+              <a:rPr lang="en-US"/>
               <a:t>Third level</a:t>
             </a:r>
           </a:p>
           <a:p>
             <a:pPr lvl="3"/>
             <a:r>
-              <a:rPr lang="en-US" smtClean="0"/>
+              <a:rPr lang="en-US"/>
               <a:t>Fourth level</a:t>
             </a:r>
           </a:p>
           <a:p>
             <a:pPr lvl="4"/>
             <a:r>
-              <a:rPr lang="en-US" smtClean="0"/>
+              <a:rPr lang="en-US"/>
               <a:t>Fifth level</a:t>
             </a:r>
-            <a:endParaRPr lang="en-US"/>
           </a:p>
         </p:txBody>
       </p:sp>
@@ -6423,7 +6373,7 @@
           <a:p>
             <a:fld id="{699DC775-C286-4358-8C92-D7E584E969B3}" type="datetimeFigureOut">
               <a:rPr lang="en-US" smtClean="0"/>
-              <a:t>19-Jun-15</a:t>
+              <a:t>1/23/2017</a:t>
             </a:fld>
             <a:endParaRPr lang="en-US"/>
           </a:p>
@@ -6521,10 +6471,9 @@
           </a:lstStyle>
           <a:p>
             <a:r>
-              <a:rPr lang="en-US" smtClean="0"/>
+              <a:rPr lang="en-US"/>
               <a:t>Click to edit Master title style</a:t>
             </a:r>
-            <a:endParaRPr lang="en-US"/>
           </a:p>
         </p:txBody>
       </p:sp>
@@ -6587,7 +6536,7 @@
           <a:p>
             <a:pPr lvl="0"/>
             <a:r>
-              <a:rPr lang="en-US" smtClean="0"/>
+              <a:rPr lang="en-US"/>
               <a:t>Click to edit Master text styles</a:t>
             </a:r>
           </a:p>
@@ -6643,38 +6592,37 @@
           <a:p>
             <a:pPr lvl="0"/>
             <a:r>
-              <a:rPr lang="en-US" smtClean="0"/>
+              <a:rPr lang="en-US"/>
               <a:t>Click to edit Master text styles</a:t>
             </a:r>
           </a:p>
           <a:p>
             <a:pPr lvl="1"/>
             <a:r>
-              <a:rPr lang="en-US" smtClean="0"/>
+              <a:rPr lang="en-US"/>
               <a:t>Second level</a:t>
             </a:r>
           </a:p>
           <a:p>
             <a:pPr lvl="2"/>
             <a:r>
-              <a:rPr lang="en-US" smtClean="0"/>
+              <a:rPr lang="en-US"/>
               <a:t>Third level</a:t>
             </a:r>
           </a:p>
           <a:p>
             <a:pPr lvl="3"/>
             <a:r>
-              <a:rPr lang="en-US" smtClean="0"/>
+              <a:rPr lang="en-US"/>
               <a:t>Fourth level</a:t>
             </a:r>
           </a:p>
           <a:p>
             <a:pPr lvl="4"/>
             <a:r>
-              <a:rPr lang="en-US" smtClean="0"/>
+              <a:rPr lang="en-US"/>
               <a:t>Fifth level</a:t>
             </a:r>
-            <a:endParaRPr lang="en-US"/>
           </a:p>
         </p:txBody>
       </p:sp>
@@ -6737,7 +6685,7 @@
           <a:p>
             <a:pPr lvl="0"/>
             <a:r>
-              <a:rPr lang="en-US" smtClean="0"/>
+              <a:rPr lang="en-US"/>
               <a:t>Click to edit Master text styles</a:t>
             </a:r>
           </a:p>
@@ -6793,38 +6741,37 @@
           <a:p>
             <a:pPr lvl="0"/>
             <a:r>
-              <a:rPr lang="en-US" smtClean="0"/>
+              <a:rPr lang="en-US"/>
               <a:t>Click to edit Master text styles</a:t>
             </a:r>
           </a:p>
           <a:p>
             <a:pPr lvl="1"/>
             <a:r>
-              <a:rPr lang="en-US" smtClean="0"/>
+              <a:rPr lang="en-US"/>
               <a:t>Second level</a:t>
             </a:r>
           </a:p>
           <a:p>
             <a:pPr lvl="2"/>
             <a:r>
-              <a:rPr lang="en-US" smtClean="0"/>
+              <a:rPr lang="en-US"/>
               <a:t>Third level</a:t>
             </a:r>
           </a:p>
           <a:p>
             <a:pPr lvl="3"/>
             <a:r>
-              <a:rPr lang="en-US" smtClean="0"/>
+              <a:rPr lang="en-US"/>
               <a:t>Fourth level</a:t>
             </a:r>
           </a:p>
           <a:p>
             <a:pPr lvl="4"/>
             <a:r>
-              <a:rPr lang="en-US" smtClean="0"/>
+              <a:rPr lang="en-US"/>
               <a:t>Fifth level</a:t>
             </a:r>
-            <a:endParaRPr lang="en-US"/>
           </a:p>
         </p:txBody>
       </p:sp>
@@ -6845,7 +6792,7 @@
           <a:p>
             <a:fld id="{699DC775-C286-4358-8C92-D7E584E969B3}" type="datetimeFigureOut">
               <a:rPr lang="en-US" smtClean="0"/>
-              <a:t>19-Jun-15</a:t>
+              <a:t>1/23/2017</a:t>
             </a:fld>
             <a:endParaRPr lang="en-US"/>
           </a:p>
@@ -6939,10 +6886,9 @@
           <a:lstStyle/>
           <a:p>
             <a:r>
-              <a:rPr lang="en-US" smtClean="0"/>
+              <a:rPr lang="en-US"/>
               <a:t>Click to edit Master title style</a:t>
             </a:r>
-            <a:endParaRPr lang="en-US"/>
           </a:p>
         </p:txBody>
       </p:sp>
@@ -6963,7 +6909,7 @@
           <a:p>
             <a:fld id="{699DC775-C286-4358-8C92-D7E584E969B3}" type="datetimeFigureOut">
               <a:rPr lang="en-US" smtClean="0"/>
-              <a:t>19-Jun-15</a:t>
+              <a:t>1/23/2017</a:t>
             </a:fld>
             <a:endParaRPr lang="en-US"/>
           </a:p>
@@ -7058,7 +7004,7 @@
           <a:p>
             <a:fld id="{699DC775-C286-4358-8C92-D7E584E969B3}" type="datetimeFigureOut">
               <a:rPr lang="en-US" smtClean="0"/>
-              <a:t>19-Jun-15</a:t>
+              <a:t>1/23/2017</a:t>
             </a:fld>
             <a:endParaRPr lang="en-US"/>
           </a:p>
@@ -7161,10 +7107,9 @@
           </a:lstStyle>
           <a:p>
             <a:r>
-              <a:rPr lang="en-US" smtClean="0"/>
+              <a:rPr lang="en-US"/>
               <a:t>Click to edit Master title style</a:t>
             </a:r>
-            <a:endParaRPr lang="en-US"/>
           </a:p>
         </p:txBody>
       </p:sp>
@@ -7218,38 +7163,37 @@
           <a:p>
             <a:pPr lvl="0"/>
             <a:r>
-              <a:rPr lang="en-US" smtClean="0"/>
+              <a:rPr lang="en-US"/>
               <a:t>Click to edit Master text styles</a:t>
             </a:r>
           </a:p>
           <a:p>
             <a:pPr lvl="1"/>
             <a:r>
-              <a:rPr lang="en-US" smtClean="0"/>
+              <a:rPr lang="en-US"/>
               <a:t>Second level</a:t>
             </a:r>
           </a:p>
           <a:p>
             <a:pPr lvl="2"/>
             <a:r>
-              <a:rPr lang="en-US" smtClean="0"/>
+              <a:rPr lang="en-US"/>
               <a:t>Third level</a:t>
             </a:r>
           </a:p>
           <a:p>
             <a:pPr lvl="3"/>
             <a:r>
-              <a:rPr lang="en-US" smtClean="0"/>
+              <a:rPr lang="en-US"/>
               <a:t>Fourth level</a:t>
             </a:r>
           </a:p>
           <a:p>
             <a:pPr lvl="4"/>
             <a:r>
-              <a:rPr lang="en-US" smtClean="0"/>
+              <a:rPr lang="en-US"/>
               <a:t>Fifth level</a:t>
             </a:r>
-            <a:endParaRPr lang="en-US"/>
           </a:p>
         </p:txBody>
       </p:sp>
@@ -7312,7 +7256,7 @@
           <a:p>
             <a:pPr lvl="0"/>
             <a:r>
-              <a:rPr lang="en-US" smtClean="0"/>
+              <a:rPr lang="en-US"/>
               <a:t>Click to edit Master text styles</a:t>
             </a:r>
           </a:p>
@@ -7335,7 +7279,7 @@
           <a:p>
             <a:fld id="{699DC775-C286-4358-8C92-D7E584E969B3}" type="datetimeFigureOut">
               <a:rPr lang="en-US" smtClean="0"/>
-              <a:t>19-Jun-15</a:t>
+              <a:t>1/23/2017</a:t>
             </a:fld>
             <a:endParaRPr lang="en-US"/>
           </a:p>
@@ -7438,10 +7382,9 @@
           </a:lstStyle>
           <a:p>
             <a:r>
-              <a:rPr lang="en-US" smtClean="0"/>
+              <a:rPr lang="en-US"/>
               <a:t>Click to edit Master title style</a:t>
             </a:r>
-            <a:endParaRPr lang="en-US"/>
           </a:p>
         </p:txBody>
       </p:sp>
@@ -7565,7 +7508,7 @@
           <a:p>
             <a:pPr lvl="0"/>
             <a:r>
-              <a:rPr lang="en-US" smtClean="0"/>
+              <a:rPr lang="en-US"/>
               <a:t>Click to edit Master text styles</a:t>
             </a:r>
           </a:p>
@@ -7588,7 +7531,7 @@
           <a:p>
             <a:fld id="{699DC775-C286-4358-8C92-D7E584E969B3}" type="datetimeFigureOut">
               <a:rPr lang="en-US" smtClean="0"/>
-              <a:t>19-Jun-15</a:t>
+              <a:t>1/23/2017</a:t>
             </a:fld>
             <a:endParaRPr lang="en-US"/>
           </a:p>
@@ -7697,10 +7640,9 @@
           <a:lstStyle/>
           <a:p>
             <a:r>
-              <a:rPr lang="en-US" smtClean="0"/>
+              <a:rPr lang="en-US"/>
               <a:t>Click to edit Master title style</a:t>
             </a:r>
-            <a:endParaRPr lang="en-US"/>
           </a:p>
         </p:txBody>
       </p:sp>
@@ -7731,38 +7673,37 @@
           <a:p>
             <a:pPr lvl="0"/>
             <a:r>
-              <a:rPr lang="en-US" smtClean="0"/>
+              <a:rPr lang="en-US"/>
               <a:t>Click to edit Master text styles</a:t>
             </a:r>
           </a:p>
           <a:p>
             <a:pPr lvl="1"/>
             <a:r>
-              <a:rPr lang="en-US" smtClean="0"/>
+              <a:rPr lang="en-US"/>
               <a:t>Second level</a:t>
             </a:r>
           </a:p>
           <a:p>
             <a:pPr lvl="2"/>
             <a:r>
-              <a:rPr lang="en-US" smtClean="0"/>
+              <a:rPr lang="en-US"/>
               <a:t>Third level</a:t>
             </a:r>
           </a:p>
           <a:p>
             <a:pPr lvl="3"/>
             <a:r>
-              <a:rPr lang="en-US" smtClean="0"/>
+              <a:rPr lang="en-US"/>
               <a:t>Fourth level</a:t>
             </a:r>
           </a:p>
           <a:p>
             <a:pPr lvl="4"/>
             <a:r>
-              <a:rPr lang="en-US" smtClean="0"/>
+              <a:rPr lang="en-US"/>
               <a:t>Fifth level</a:t>
             </a:r>
-            <a:endParaRPr lang="en-US"/>
           </a:p>
         </p:txBody>
       </p:sp>
@@ -7801,7 +7742,7 @@
           <a:p>
             <a:fld id="{699DC775-C286-4358-8C92-D7E584E969B3}" type="datetimeFigureOut">
               <a:rPr lang="en-US" smtClean="0"/>
-              <a:t>19-Jun-15</a:t>
+              <a:t>1/23/2017</a:t>
             </a:fld>
             <a:endParaRPr lang="en-US"/>
           </a:p>
@@ -8212,10 +8153,9 @@
           <a:lstStyle/>
           <a:p>
             <a:r>
-              <a:rPr lang="en-US" smtClean="0"/>
+              <a:rPr lang="en-US"/>
               <a:t>Click to edit Master title style</a:t>
             </a:r>
-            <a:endParaRPr lang="en-US"/>
           </a:p>
         </p:txBody>
       </p:sp>
@@ -8246,38 +8186,37 @@
           <a:p>
             <a:pPr lvl="0"/>
             <a:r>
-              <a:rPr lang="en-US" smtClean="0"/>
+              <a:rPr lang="en-US"/>
               <a:t>Click to edit Master text styles</a:t>
             </a:r>
           </a:p>
           <a:p>
             <a:pPr lvl="1"/>
             <a:r>
-              <a:rPr lang="en-US" smtClean="0"/>
+              <a:rPr lang="en-US"/>
               <a:t>Second level</a:t>
             </a:r>
           </a:p>
           <a:p>
             <a:pPr lvl="2"/>
             <a:r>
-              <a:rPr lang="en-US" smtClean="0"/>
+              <a:rPr lang="en-US"/>
               <a:t>Third level</a:t>
             </a:r>
           </a:p>
           <a:p>
             <a:pPr lvl="3"/>
             <a:r>
-              <a:rPr lang="en-US" smtClean="0"/>
+              <a:rPr lang="en-US"/>
               <a:t>Fourth level</a:t>
             </a:r>
           </a:p>
           <a:p>
             <a:pPr lvl="4"/>
             <a:r>
-              <a:rPr lang="en-US" smtClean="0"/>
+              <a:rPr lang="en-US"/>
               <a:t>Fifth level</a:t>
             </a:r>
-            <a:endParaRPr lang="en-US"/>
           </a:p>
         </p:txBody>
       </p:sp>
@@ -8316,7 +8255,7 @@
           <a:p>
             <a:fld id="{699DC775-C286-4358-8C92-D7E584E969B3}" type="datetimeFigureOut">
               <a:rPr lang="en-US" smtClean="0"/>
-              <a:t>19-Jun-15</a:t>
+              <a:t>1/23/2017</a:t>
             </a:fld>
             <a:endParaRPr lang="en-US"/>
           </a:p>
@@ -8725,10 +8664,9 @@
           <a:lstStyle/>
           <a:p>
             <a:r>
-              <a:rPr lang="en-US" dirty="0" smtClean="0"/>
+              <a:rPr lang="en-US" dirty="0"/>
               <a:t>Click to edit Master title style</a:t>
             </a:r>
-            <a:endParaRPr lang="en-US" dirty="0"/>
           </a:p>
         </p:txBody>
       </p:sp>
@@ -8759,38 +8697,37 @@
           <a:p>
             <a:pPr lvl="0"/>
             <a:r>
-              <a:rPr lang="en-US" smtClean="0"/>
+              <a:rPr lang="en-US"/>
               <a:t>Click to edit Master text styles</a:t>
             </a:r>
           </a:p>
           <a:p>
             <a:pPr lvl="1"/>
             <a:r>
-              <a:rPr lang="en-US" smtClean="0"/>
+              <a:rPr lang="en-US"/>
               <a:t>Second level</a:t>
             </a:r>
           </a:p>
           <a:p>
             <a:pPr lvl="2"/>
             <a:r>
-              <a:rPr lang="en-US" smtClean="0"/>
+              <a:rPr lang="en-US"/>
               <a:t>Third level</a:t>
             </a:r>
           </a:p>
           <a:p>
             <a:pPr lvl="3"/>
             <a:r>
-              <a:rPr lang="en-US" smtClean="0"/>
+              <a:rPr lang="en-US"/>
               <a:t>Fourth level</a:t>
             </a:r>
           </a:p>
           <a:p>
             <a:pPr lvl="4"/>
             <a:r>
-              <a:rPr lang="en-US" smtClean="0"/>
+              <a:rPr lang="en-US"/>
               <a:t>Fifth level</a:t>
             </a:r>
-            <a:endParaRPr lang="en-US"/>
           </a:p>
         </p:txBody>
       </p:sp>
@@ -8829,7 +8766,7 @@
           <a:p>
             <a:fld id="{699DC775-C286-4358-8C92-D7E584E969B3}" type="datetimeFigureOut">
               <a:rPr lang="en-US" smtClean="0"/>
-              <a:t>19-Jun-15</a:t>
+              <a:t>1/23/2017</a:t>
             </a:fld>
             <a:endParaRPr lang="en-US"/>
           </a:p>
@@ -9222,7 +9159,7 @@
           <a:lstStyle/>
           <a:p>
             <a:r>
-              <a:rPr lang="en-US" sz="5400" b="1" dirty="0" err="1" smtClean="0">
+              <a:rPr lang="en-US" sz="5400" b="1" dirty="0" err="1">
                 <a:solidFill>
                   <a:schemeClr val="accent6">
                     <a:lumMod val="75000"/>
@@ -9232,7 +9169,7 @@
               <a:t>PowerPointLabs</a:t>
             </a:r>
             <a:r>
-              <a:rPr lang="en-US" sz="5400" b="1" dirty="0" smtClean="0">
+              <a:rPr lang="en-US" sz="5400" b="1" dirty="0">
                 <a:solidFill>
                   <a:schemeClr val="accent6">
                     <a:lumMod val="75000"/>
@@ -9270,7 +9207,7 @@
               <a:buNone/>
             </a:pPr>
             <a:r>
-              <a:rPr lang="en-US" b="1" dirty="0" smtClean="0">
+              <a:rPr lang="en-US" b="1" dirty="0">
                 <a:solidFill>
                   <a:srgbClr val="0070C0"/>
                 </a:solidFill>
@@ -9281,34 +9218,21 @@
           <a:p>
             <a:pPr marL="285750" indent="-285750"/>
             <a:r>
-              <a:rPr lang="en-US" b="1" dirty="0" smtClean="0">
-                <a:solidFill>
-                  <a:srgbClr val="0070C0"/>
-                </a:solidFill>
-              </a:rPr>
-              <a:t>DO </a:t>
-            </a:r>
-            <a:r>
               <a:rPr lang="en-US" b="1" dirty="0">
                 <a:solidFill>
                   <a:srgbClr val="0070C0"/>
                 </a:solidFill>
               </a:rPr>
-              <a:t>NOT SAVE </a:t>
-            </a:r>
-            <a:r>
-              <a:rPr lang="en-US" dirty="0" smtClean="0">
+              <a:t>DO NOT SAVE </a:t>
+            </a:r>
+            <a:r>
+              <a:rPr lang="en-US" dirty="0">
                 <a:solidFill>
                   <a:srgbClr val="0070C0"/>
                 </a:solidFill>
               </a:rPr>
               <a:t>these slides after testing. Keep this file in its original form.</a:t>
             </a:r>
-            <a:endParaRPr lang="en-US" dirty="0">
-              <a:solidFill>
-                <a:srgbClr val="0070C0"/>
-              </a:solidFill>
-            </a:endParaRPr>
           </a:p>
           <a:p>
             <a:pPr marL="285750" indent="-285750"/>
@@ -9318,47 +9242,7 @@
                   <a:srgbClr val="0070C0"/>
                 </a:solidFill>
               </a:rPr>
-              <a:t>If </a:t>
-            </a:r>
-            <a:r>
-              <a:rPr lang="en-US" dirty="0" smtClean="0">
-                <a:solidFill>
-                  <a:srgbClr val="0070C0"/>
-                </a:solidFill>
-              </a:rPr>
-              <a:t>your </a:t>
-            </a:r>
-            <a:r>
-              <a:rPr lang="en-US" dirty="0">
-                <a:solidFill>
-                  <a:srgbClr val="0070C0"/>
-                </a:solidFill>
-              </a:rPr>
-              <a:t>result </a:t>
-            </a:r>
-            <a:r>
-              <a:rPr lang="en-US" dirty="0" smtClean="0">
-                <a:solidFill>
-                  <a:srgbClr val="0070C0"/>
-                </a:solidFill>
-              </a:rPr>
-              <a:t>is different from the </a:t>
-            </a:r>
-            <a:r>
-              <a:rPr lang="en-US" dirty="0">
-                <a:solidFill>
-                  <a:srgbClr val="0070C0"/>
-                </a:solidFill>
-              </a:rPr>
-              <a:t>expected output, </a:t>
-            </a:r>
-            <a:r>
-              <a:rPr lang="en-US" dirty="0" smtClean="0">
-                <a:solidFill>
-                  <a:srgbClr val="0070C0"/>
-                </a:solidFill>
-              </a:rPr>
-              <a:t>please submit a bug report (attach slides/screenshots as necessary).</a:t>
+              <a:t>If your result is different from the expected output, please submit a bug report (attach slides/screenshots as necessary).</a:t>
             </a:r>
             <a:endParaRPr lang="en-SG" dirty="0">
               <a:solidFill>
@@ -9381,13 +9265,6 @@
   <p:clrMapOvr>
     <a:masterClrMapping/>
   </p:clrMapOvr>
-  <p:timing>
-    <p:tnLst>
-      <p:par>
-        <p:cTn id="1" dur="indefinite" restart="never" nodeType="tmRoot"/>
-      </p:par>
-    </p:tnLst>
-  </p:timing>
 </p:sld>
 </file>
 
@@ -9427,13 +9304,6 @@
   <p:clrMapOvr>
     <a:masterClrMapping/>
   </p:clrMapOvr>
-  <p:timing>
-    <p:tnLst>
-      <p:par>
-        <p:cTn id="1" dur="indefinite" restart="never" nodeType="tmRoot"/>
-      </p:par>
-    </p:tnLst>
-  </p:timing>
 </p:sld>
 </file>
 
@@ -9464,13 +9334,6 @@
   <p:clrMapOvr>
     <a:masterClrMapping/>
   </p:clrMapOvr>
-  <p:timing>
-    <p:tnLst>
-      <p:par>
-        <p:cTn id="1" dur="indefinite" restart="never" nodeType="tmRoot"/>
-      </p:par>
-    </p:tnLst>
-  </p:timing>
 </p:sld>
 </file>
 
@@ -9509,13 +9372,6 @@
   <p:clrMapOvr>
     <a:masterClrMapping/>
   </p:clrMapOvr>
-  <p:timing>
-    <p:tnLst>
-      <p:par>
-        <p:cTn id="1" dur="indefinite" restart="never" nodeType="tmRoot"/>
-      </p:par>
-    </p:tnLst>
-  </p:timing>
 </p:sld>
 </file>
 
@@ -9548,7 +9404,7 @@
         <p:nvPicPr>
           <p:cNvPr id="2" name="Picture 1"/>
           <p:cNvPicPr>
-            <a:picLocks/>
+            <a:picLocks noChangeAspect="1"/>
           </p:cNvPicPr>
           <p:nvPr/>
         </p:nvPicPr>
@@ -9566,8 +9422,8 @@
         </p:blipFill>
         <p:spPr>
           <a:xfrm>
-            <a:off x="649224" y="992124"/>
-            <a:ext cx="7845552" cy="4873752"/>
+            <a:off x="0" y="1029202"/>
+            <a:ext cx="9144000" cy="4799596"/>
           </a:xfrm>
           <a:prstGeom prst="rect">
             <a:avLst/>
@@ -9577,21 +9433,13 @@
     </p:spTree>
     <p:extLst>
       <p:ext uri="{BB962C8B-B14F-4D97-AF65-F5344CB8AC3E}">
-        <p14:creationId xmlns:p14="http://schemas.microsoft.com/office/powerpoint/2010/main" val="528033277"/>
+        <p14:creationId xmlns:p14="http://schemas.microsoft.com/office/powerpoint/2010/main" val="3464616872"/>
       </p:ext>
     </p:extLst>
   </p:cSld>
   <p:clrMapOvr>
     <a:masterClrMapping/>
   </p:clrMapOvr>
-  <mc:AlternateContent xmlns:mc="http://schemas.openxmlformats.org/markup-compatibility/2006" xmlns:p14="http://schemas.microsoft.com/office/powerpoint/2010/main">
-    <mc:Choice Requires="p14">
-      <p:transition spd="slow" p14:dur="2000"/>
-    </mc:Choice>
-    <mc:Fallback xmlns="">
-      <p:transition spd="slow"/>
-    </mc:Fallback>
-  </mc:AlternateContent>
 </p:sld>
 </file>
 
@@ -9646,7 +9494,7 @@
           <a:p>
             <a:pPr algn="l"/>
             <a:r>
-              <a:rPr lang="en-US" sz="7200" dirty="0" smtClean="0">
+              <a:rPr lang="en-US" sz="7200" dirty="0">
                 <a:solidFill>
                   <a:schemeClr val="bg1"/>
                 </a:solidFill>
@@ -9684,7 +9532,7 @@
           <a:lstStyle/>
           <a:p>
             <a:r>
-              <a:rPr lang="en-US" sz="2400" b="1" dirty="0" smtClean="0">
+              <a:rPr lang="en-US" sz="2400" b="1" dirty="0">
                 <a:solidFill>
                   <a:schemeClr val="bg1"/>
                 </a:solidFill>
@@ -9698,7 +9546,7 @@
               <a:buChar char="•"/>
             </a:pPr>
             <a:r>
-              <a:rPr lang="en-US" sz="2400" dirty="0" smtClean="0">
+              <a:rPr lang="en-US" sz="2400" dirty="0">
                 <a:solidFill>
                   <a:schemeClr val="bg1"/>
                 </a:solidFill>
@@ -9718,13 +9566,6 @@
   <p:clrMapOvr>
     <a:masterClrMapping/>
   </p:clrMapOvr>
-  <p:timing>
-    <p:tnLst>
-      <p:par>
-        <p:cTn id="1" dur="indefinite" restart="never" nodeType="tmRoot"/>
-      </p:par>
-    </p:tnLst>
-  </p:timing>
 </p:sld>
 </file>
 
@@ -9798,7 +9639,7 @@
           <a:lstStyle/>
           <a:p>
             <a:r>
-              <a:rPr lang="en-US" sz="6000" dirty="0" smtClean="0"/>
+              <a:rPr lang="en-US" sz="6000" dirty="0"/>
               <a:t>Test Image</a:t>
             </a:r>
             <a:endParaRPr lang="en-SG" sz="6000" dirty="0"/>
@@ -9815,13 +9656,6 @@
   <p:clrMapOvr>
     <a:masterClrMapping/>
   </p:clrMapOvr>
-  <p:timing>
-    <p:tnLst>
-      <p:par>
-        <p:cTn id="1" dur="indefinite" restart="never" nodeType="tmRoot"/>
-      </p:par>
-    </p:tnLst>
-  </p:timing>
 </p:sld>
 </file>
 
@@ -9852,13 +9686,6 @@
   <p:clrMapOvr>
     <a:masterClrMapping/>
   </p:clrMapOvr>
-  <p:timing>
-    <p:tnLst>
-      <p:par>
-        <p:cTn id="1" dur="indefinite" restart="never" nodeType="tmRoot"/>
-      </p:par>
-    </p:tnLst>
-  </p:timing>
 </p:sld>
 </file>
 
@@ -10016,10 +9843,9 @@
           </a:lstStyle>
           <a:p>
             <a:r>
-              <a:rPr lang="en-US" dirty="0" smtClean="0"/>
+              <a:rPr lang="en-US" dirty="0"/>
               <a:t>Pattern</a:t>
             </a:r>
-            <a:endParaRPr lang="en-US" dirty="0"/>
           </a:p>
         </p:txBody>
       </p:sp>
@@ -10033,13 +9859,6 @@
   <p:clrMapOvr>
     <a:masterClrMapping/>
   </p:clrMapOvr>
-  <p:timing>
-    <p:tnLst>
-      <p:par>
-        <p:cTn id="1" dur="indefinite" restart="never" nodeType="tmRoot"/>
-      </p:par>
-    </p:tnLst>
-  </p:timing>
 </p:sld>
 </file>
 
@@ -10070,13 +9889,6 @@
   <p:clrMapOvr>
     <a:masterClrMapping/>
   </p:clrMapOvr>
-  <p:timing>
-    <p:tnLst>
-      <p:par>
-        <p:cTn id="1" dur="indefinite" restart="never" nodeType="tmRoot"/>
-      </p:par>
-    </p:tnLst>
-  </p:timing>
 </p:sld>
 </file>
 
@@ -10150,7 +9962,7 @@
           <a:lstStyle/>
           <a:p>
             <a:r>
-              <a:rPr lang="en-US" sz="6000" dirty="0" smtClean="0"/>
+              <a:rPr lang="en-US" sz="6000" dirty="0"/>
               <a:t>Test Image</a:t>
             </a:r>
             <a:endParaRPr lang="en-SG" sz="6000" dirty="0"/>
@@ -10167,13 +9979,6 @@
   <p:clrMapOvr>
     <a:masterClrMapping/>
   </p:clrMapOvr>
-  <p:timing>
-    <p:tnLst>
-      <p:par>
-        <p:cTn id="1" dur="indefinite" restart="never" nodeType="tmRoot"/>
-      </p:par>
-    </p:tnLst>
-  </p:timing>
 </p:sld>
 </file>
 
@@ -10217,7 +10022,7 @@
           <a:lstStyle/>
           <a:p>
             <a:r>
-              <a:rPr lang="en-US" sz="6000" dirty="0" smtClean="0"/>
+              <a:rPr lang="en-US" sz="6000" dirty="0"/>
               <a:t>A long section</a:t>
             </a:r>
             <a:endParaRPr lang="en-SG" sz="6000" dirty="0"/>
@@ -10234,13 +10039,6 @@
   <p:clrMapOvr>
     <a:masterClrMapping/>
   </p:clrMapOvr>
-  <p:timing>
-    <p:tnLst>
-      <p:par>
-        <p:cTn id="1" dur="indefinite" restart="never" nodeType="tmRoot"/>
-      </p:par>
-    </p:tnLst>
-  </p:timing>
 </p:sld>
 </file>
 
@@ -10279,13 +10077,6 @@
   <p:clrMapOvr>
     <a:masterClrMapping/>
   </p:clrMapOvr>
-  <p:timing>
-    <p:tnLst>
-      <p:par>
-        <p:cTn id="1" dur="indefinite" restart="never" nodeType="tmRoot"/>
-      </p:par>
-    </p:tnLst>
-  </p:timing>
 </p:sld>
 </file>
 

--- a/doc/test/AgendaSlidesDefault.pptx
+++ b/doc/test/AgendaSlidesDefault.pptx
@@ -161,7 +161,7 @@
       </p14:sectionLst>
     </p:ext>
     <p:ext uri="{EFAFB233-063F-42B5-8137-9DF3F51BA10A}">
-      <p15:sldGuideLst xmlns:p15="http://schemas.microsoft.com/office/powerpoint/2012/main">
+      <p15:sldGuideLst xmlns:p15="http://schemas.microsoft.com/office/powerpoint/2012/main" xmlns="">
         <p15:guide id="1" orient="horz" pos="2160">
           <p15:clr>
             <a:srgbClr val="A4A3A4"/>
@@ -216,9 +216,10 @@
           <a:lstStyle/>
           <a:p>
             <a:r>
-              <a:rPr lang="en-US"/>
+              <a:rPr lang="en-US" smtClean="0"/>
               <a:t>Click to edit Master title style</a:t>
             </a:r>
+            <a:endParaRPr lang="en-US"/>
           </a:p>
         </p:txBody>
       </p:sp>
@@ -334,9 +335,10 @@
           </a:lstStyle>
           <a:p>
             <a:r>
-              <a:rPr lang="en-US"/>
+              <a:rPr lang="en-US" smtClean="0"/>
               <a:t>Click to edit Master subtitle style</a:t>
             </a:r>
+            <a:endParaRPr lang="en-US"/>
           </a:p>
         </p:txBody>
       </p:sp>
@@ -357,7 +359,7 @@
           <a:p>
             <a:fld id="{699DC775-C286-4358-8C92-D7E584E969B3}" type="datetimeFigureOut">
               <a:rPr lang="en-US" smtClean="0"/>
-              <a:t>1/23/2017</a:t>
+              <a:t>19-Jun-15</a:t>
             </a:fld>
             <a:endParaRPr lang="en-US"/>
           </a:p>
@@ -451,9 +453,10 @@
           <a:lstStyle/>
           <a:p>
             <a:r>
-              <a:rPr lang="en-US"/>
+              <a:rPr lang="en-US" smtClean="0"/>
               <a:t>Click to edit Master title style</a:t>
             </a:r>
+            <a:endParaRPr lang="en-US"/>
           </a:p>
         </p:txBody>
       </p:sp>
@@ -474,37 +477,38 @@
           <a:p>
             <a:pPr lvl="0"/>
             <a:r>
-              <a:rPr lang="en-US"/>
+              <a:rPr lang="en-US" smtClean="0"/>
               <a:t>Click to edit Master text styles</a:t>
             </a:r>
           </a:p>
           <a:p>
             <a:pPr lvl="1"/>
             <a:r>
-              <a:rPr lang="en-US"/>
+              <a:rPr lang="en-US" smtClean="0"/>
               <a:t>Second level</a:t>
             </a:r>
           </a:p>
           <a:p>
             <a:pPr lvl="2"/>
             <a:r>
-              <a:rPr lang="en-US"/>
+              <a:rPr lang="en-US" smtClean="0"/>
               <a:t>Third level</a:t>
             </a:r>
           </a:p>
           <a:p>
             <a:pPr lvl="3"/>
             <a:r>
-              <a:rPr lang="en-US"/>
+              <a:rPr lang="en-US" smtClean="0"/>
               <a:t>Fourth level</a:t>
             </a:r>
           </a:p>
           <a:p>
             <a:pPr lvl="4"/>
             <a:r>
-              <a:rPr lang="en-US"/>
+              <a:rPr lang="en-US" smtClean="0"/>
               <a:t>Fifth level</a:t>
             </a:r>
+            <a:endParaRPr lang="en-US"/>
           </a:p>
         </p:txBody>
       </p:sp>
@@ -525,7 +529,7 @@
           <a:p>
             <a:fld id="{699DC775-C286-4358-8C92-D7E584E969B3}" type="datetimeFigureOut">
               <a:rPr lang="en-US" smtClean="0"/>
-              <a:t>1/23/2017</a:t>
+              <a:t>19-Jun-15</a:t>
             </a:fld>
             <a:endParaRPr lang="en-US"/>
           </a:p>
@@ -624,9 +628,10 @@
           <a:lstStyle/>
           <a:p>
             <a:r>
-              <a:rPr lang="en-US"/>
+              <a:rPr lang="en-US" smtClean="0"/>
               <a:t>Click to edit Master title style</a:t>
             </a:r>
+            <a:endParaRPr lang="en-US"/>
           </a:p>
         </p:txBody>
       </p:sp>
@@ -652,37 +657,38 @@
           <a:p>
             <a:pPr lvl="0"/>
             <a:r>
-              <a:rPr lang="en-US"/>
+              <a:rPr lang="en-US" smtClean="0"/>
               <a:t>Click to edit Master text styles</a:t>
             </a:r>
           </a:p>
           <a:p>
             <a:pPr lvl="1"/>
             <a:r>
-              <a:rPr lang="en-US"/>
+              <a:rPr lang="en-US" smtClean="0"/>
               <a:t>Second level</a:t>
             </a:r>
           </a:p>
           <a:p>
             <a:pPr lvl="2"/>
             <a:r>
-              <a:rPr lang="en-US"/>
+              <a:rPr lang="en-US" smtClean="0"/>
               <a:t>Third level</a:t>
             </a:r>
           </a:p>
           <a:p>
             <a:pPr lvl="3"/>
             <a:r>
-              <a:rPr lang="en-US"/>
+              <a:rPr lang="en-US" smtClean="0"/>
               <a:t>Fourth level</a:t>
             </a:r>
           </a:p>
           <a:p>
             <a:pPr lvl="4"/>
             <a:r>
-              <a:rPr lang="en-US"/>
+              <a:rPr lang="en-US" smtClean="0"/>
               <a:t>Fifth level</a:t>
             </a:r>
+            <a:endParaRPr lang="en-US"/>
           </a:p>
         </p:txBody>
       </p:sp>
@@ -703,7 +709,7 @@
           <a:p>
             <a:fld id="{699DC775-C286-4358-8C92-D7E584E969B3}" type="datetimeFigureOut">
               <a:rPr lang="en-US" smtClean="0"/>
-              <a:t>1/23/2017</a:t>
+              <a:t>19-Jun-15</a:t>
             </a:fld>
             <a:endParaRPr lang="en-US"/>
           </a:p>
@@ -802,9 +808,10 @@
           <a:lstStyle/>
           <a:p>
             <a:r>
-              <a:rPr lang="en-US"/>
+              <a:rPr lang="en-US" smtClean="0"/>
               <a:t>Click to edit Master title style</a:t>
             </a:r>
+            <a:endParaRPr lang="en-US"/>
           </a:p>
         </p:txBody>
       </p:sp>
@@ -920,9 +927,10 @@
           </a:lstStyle>
           <a:p>
             <a:r>
-              <a:rPr lang="en-US"/>
+              <a:rPr lang="en-US" smtClean="0"/>
               <a:t>Click to edit Master subtitle style</a:t>
             </a:r>
+            <a:endParaRPr lang="en-US"/>
           </a:p>
         </p:txBody>
       </p:sp>
@@ -943,7 +951,7 @@
           <a:p>
             <a:fld id="{699DC775-C286-4358-8C92-D7E584E969B3}" type="datetimeFigureOut">
               <a:rPr lang="en-US" smtClean="0"/>
-              <a:t>1/23/2017</a:t>
+              <a:t>19-Jun-15</a:t>
             </a:fld>
             <a:endParaRPr lang="en-US"/>
           </a:p>
@@ -1037,9 +1045,10 @@
           <a:lstStyle/>
           <a:p>
             <a:r>
-              <a:rPr lang="en-US"/>
+              <a:rPr lang="en-US" smtClean="0"/>
               <a:t>Click to edit Master title style</a:t>
             </a:r>
+            <a:endParaRPr lang="en-US"/>
           </a:p>
         </p:txBody>
       </p:sp>
@@ -1060,37 +1069,38 @@
           <a:p>
             <a:pPr lvl="0"/>
             <a:r>
-              <a:rPr lang="en-US"/>
+              <a:rPr lang="en-US" smtClean="0"/>
               <a:t>Click to edit Master text styles</a:t>
             </a:r>
           </a:p>
           <a:p>
             <a:pPr lvl="1"/>
             <a:r>
-              <a:rPr lang="en-US"/>
+              <a:rPr lang="en-US" smtClean="0"/>
               <a:t>Second level</a:t>
             </a:r>
           </a:p>
           <a:p>
             <a:pPr lvl="2"/>
             <a:r>
-              <a:rPr lang="en-US"/>
+              <a:rPr lang="en-US" smtClean="0"/>
               <a:t>Third level</a:t>
             </a:r>
           </a:p>
           <a:p>
             <a:pPr lvl="3"/>
             <a:r>
-              <a:rPr lang="en-US"/>
+              <a:rPr lang="en-US" smtClean="0"/>
               <a:t>Fourth level</a:t>
             </a:r>
           </a:p>
           <a:p>
             <a:pPr lvl="4"/>
             <a:r>
-              <a:rPr lang="en-US"/>
+              <a:rPr lang="en-US" smtClean="0"/>
               <a:t>Fifth level</a:t>
             </a:r>
+            <a:endParaRPr lang="en-US"/>
           </a:p>
         </p:txBody>
       </p:sp>
@@ -1111,7 +1121,7 @@
           <a:p>
             <a:fld id="{699DC775-C286-4358-8C92-D7E584E969B3}" type="datetimeFigureOut">
               <a:rPr lang="en-US" smtClean="0"/>
-              <a:t>1/23/2017</a:t>
+              <a:t>19-Jun-15</a:t>
             </a:fld>
             <a:endParaRPr lang="en-US"/>
           </a:p>
@@ -1214,9 +1224,10 @@
           </a:lstStyle>
           <a:p>
             <a:r>
-              <a:rPr lang="en-US"/>
+              <a:rPr lang="en-US" smtClean="0"/>
               <a:t>Click to edit Master title style</a:t>
             </a:r>
+            <a:endParaRPr lang="en-US"/>
           </a:p>
         </p:txBody>
       </p:sp>
@@ -1333,7 +1344,7 @@
           <a:p>
             <a:pPr lvl="0"/>
             <a:r>
-              <a:rPr lang="en-US"/>
+              <a:rPr lang="en-US" smtClean="0"/>
               <a:t>Click to edit Master text styles</a:t>
             </a:r>
           </a:p>
@@ -1356,7 +1367,7 @@
           <a:p>
             <a:fld id="{699DC775-C286-4358-8C92-D7E584E969B3}" type="datetimeFigureOut">
               <a:rPr lang="en-US" smtClean="0"/>
-              <a:t>1/23/2017</a:t>
+              <a:t>19-Jun-15</a:t>
             </a:fld>
             <a:endParaRPr lang="en-US"/>
           </a:p>
@@ -1450,9 +1461,10 @@
           <a:lstStyle/>
           <a:p>
             <a:r>
-              <a:rPr lang="en-US"/>
+              <a:rPr lang="en-US" smtClean="0"/>
               <a:t>Click to edit Master title style</a:t>
             </a:r>
+            <a:endParaRPr lang="en-US"/>
           </a:p>
         </p:txBody>
       </p:sp>
@@ -1506,37 +1518,38 @@
           <a:p>
             <a:pPr lvl="0"/>
             <a:r>
-              <a:rPr lang="en-US"/>
+              <a:rPr lang="en-US" smtClean="0"/>
               <a:t>Click to edit Master text styles</a:t>
             </a:r>
           </a:p>
           <a:p>
             <a:pPr lvl="1"/>
             <a:r>
-              <a:rPr lang="en-US"/>
+              <a:rPr lang="en-US" smtClean="0"/>
               <a:t>Second level</a:t>
             </a:r>
           </a:p>
           <a:p>
             <a:pPr lvl="2"/>
             <a:r>
-              <a:rPr lang="en-US"/>
+              <a:rPr lang="en-US" smtClean="0"/>
               <a:t>Third level</a:t>
             </a:r>
           </a:p>
           <a:p>
             <a:pPr lvl="3"/>
             <a:r>
-              <a:rPr lang="en-US"/>
+              <a:rPr lang="en-US" smtClean="0"/>
               <a:t>Fourth level</a:t>
             </a:r>
           </a:p>
           <a:p>
             <a:pPr lvl="4"/>
             <a:r>
-              <a:rPr lang="en-US"/>
+              <a:rPr lang="en-US" smtClean="0"/>
               <a:t>Fifth level</a:t>
             </a:r>
+            <a:endParaRPr lang="en-US"/>
           </a:p>
         </p:txBody>
       </p:sp>
@@ -1590,37 +1603,38 @@
           <a:p>
             <a:pPr lvl="0"/>
             <a:r>
-              <a:rPr lang="en-US"/>
+              <a:rPr lang="en-US" smtClean="0"/>
               <a:t>Click to edit Master text styles</a:t>
             </a:r>
           </a:p>
           <a:p>
             <a:pPr lvl="1"/>
             <a:r>
-              <a:rPr lang="en-US"/>
+              <a:rPr lang="en-US" smtClean="0"/>
               <a:t>Second level</a:t>
             </a:r>
           </a:p>
           <a:p>
             <a:pPr lvl="2"/>
             <a:r>
-              <a:rPr lang="en-US"/>
+              <a:rPr lang="en-US" smtClean="0"/>
               <a:t>Third level</a:t>
             </a:r>
           </a:p>
           <a:p>
             <a:pPr lvl="3"/>
             <a:r>
-              <a:rPr lang="en-US"/>
+              <a:rPr lang="en-US" smtClean="0"/>
               <a:t>Fourth level</a:t>
             </a:r>
           </a:p>
           <a:p>
             <a:pPr lvl="4"/>
             <a:r>
-              <a:rPr lang="en-US"/>
+              <a:rPr lang="en-US" smtClean="0"/>
               <a:t>Fifth level</a:t>
             </a:r>
+            <a:endParaRPr lang="en-US"/>
           </a:p>
         </p:txBody>
       </p:sp>
@@ -1641,7 +1655,7 @@
           <a:p>
             <a:fld id="{699DC775-C286-4358-8C92-D7E584E969B3}" type="datetimeFigureOut">
               <a:rPr lang="en-US" smtClean="0"/>
-              <a:t>1/23/2017</a:t>
+              <a:t>19-Jun-15</a:t>
             </a:fld>
             <a:endParaRPr lang="en-US"/>
           </a:p>
@@ -1739,9 +1753,10 @@
           </a:lstStyle>
           <a:p>
             <a:r>
-              <a:rPr lang="en-US"/>
+              <a:rPr lang="en-US" smtClean="0"/>
               <a:t>Click to edit Master title style</a:t>
             </a:r>
+            <a:endParaRPr lang="en-US"/>
           </a:p>
         </p:txBody>
       </p:sp>
@@ -1804,7 +1819,7 @@
           <a:p>
             <a:pPr lvl="0"/>
             <a:r>
-              <a:rPr lang="en-US"/>
+              <a:rPr lang="en-US" smtClean="0"/>
               <a:t>Click to edit Master text styles</a:t>
             </a:r>
           </a:p>
@@ -1860,37 +1875,38 @@
           <a:p>
             <a:pPr lvl="0"/>
             <a:r>
-              <a:rPr lang="en-US"/>
+              <a:rPr lang="en-US" smtClean="0"/>
               <a:t>Click to edit Master text styles</a:t>
             </a:r>
           </a:p>
           <a:p>
             <a:pPr lvl="1"/>
             <a:r>
-              <a:rPr lang="en-US"/>
+              <a:rPr lang="en-US" smtClean="0"/>
               <a:t>Second level</a:t>
             </a:r>
           </a:p>
           <a:p>
             <a:pPr lvl="2"/>
             <a:r>
-              <a:rPr lang="en-US"/>
+              <a:rPr lang="en-US" smtClean="0"/>
               <a:t>Third level</a:t>
             </a:r>
           </a:p>
           <a:p>
             <a:pPr lvl="3"/>
             <a:r>
-              <a:rPr lang="en-US"/>
+              <a:rPr lang="en-US" smtClean="0"/>
               <a:t>Fourth level</a:t>
             </a:r>
           </a:p>
           <a:p>
             <a:pPr lvl="4"/>
             <a:r>
-              <a:rPr lang="en-US"/>
+              <a:rPr lang="en-US" smtClean="0"/>
               <a:t>Fifth level</a:t>
             </a:r>
+            <a:endParaRPr lang="en-US"/>
           </a:p>
         </p:txBody>
       </p:sp>
@@ -1953,7 +1969,7 @@
           <a:p>
             <a:pPr lvl="0"/>
             <a:r>
-              <a:rPr lang="en-US"/>
+              <a:rPr lang="en-US" smtClean="0"/>
               <a:t>Click to edit Master text styles</a:t>
             </a:r>
           </a:p>
@@ -2009,37 +2025,38 @@
           <a:p>
             <a:pPr lvl="0"/>
             <a:r>
-              <a:rPr lang="en-US"/>
+              <a:rPr lang="en-US" smtClean="0"/>
               <a:t>Click to edit Master text styles</a:t>
             </a:r>
           </a:p>
           <a:p>
             <a:pPr lvl="1"/>
             <a:r>
-              <a:rPr lang="en-US"/>
+              <a:rPr lang="en-US" smtClean="0"/>
               <a:t>Second level</a:t>
             </a:r>
           </a:p>
           <a:p>
             <a:pPr lvl="2"/>
             <a:r>
-              <a:rPr lang="en-US"/>
+              <a:rPr lang="en-US" smtClean="0"/>
               <a:t>Third level</a:t>
             </a:r>
           </a:p>
           <a:p>
             <a:pPr lvl="3"/>
             <a:r>
-              <a:rPr lang="en-US"/>
+              <a:rPr lang="en-US" smtClean="0"/>
               <a:t>Fourth level</a:t>
             </a:r>
           </a:p>
           <a:p>
             <a:pPr lvl="4"/>
             <a:r>
-              <a:rPr lang="en-US"/>
+              <a:rPr lang="en-US" smtClean="0"/>
               <a:t>Fifth level</a:t>
             </a:r>
+            <a:endParaRPr lang="en-US"/>
           </a:p>
         </p:txBody>
       </p:sp>
@@ -2060,7 +2077,7 @@
           <a:p>
             <a:fld id="{699DC775-C286-4358-8C92-D7E584E969B3}" type="datetimeFigureOut">
               <a:rPr lang="en-US" smtClean="0"/>
-              <a:t>1/23/2017</a:t>
+              <a:t>19-Jun-15</a:t>
             </a:fld>
             <a:endParaRPr lang="en-US"/>
           </a:p>
@@ -2154,9 +2171,10 @@
           <a:lstStyle/>
           <a:p>
             <a:r>
-              <a:rPr lang="en-US"/>
+              <a:rPr lang="en-US" smtClean="0"/>
               <a:t>Click to edit Master title style</a:t>
             </a:r>
+            <a:endParaRPr lang="en-US"/>
           </a:p>
         </p:txBody>
       </p:sp>
@@ -2177,7 +2195,7 @@
           <a:p>
             <a:fld id="{699DC775-C286-4358-8C92-D7E584E969B3}" type="datetimeFigureOut">
               <a:rPr lang="en-US" smtClean="0"/>
-              <a:t>1/23/2017</a:t>
+              <a:t>19-Jun-15</a:t>
             </a:fld>
             <a:endParaRPr lang="en-US"/>
           </a:p>
@@ -2272,7 +2290,7 @@
           <a:p>
             <a:fld id="{699DC775-C286-4358-8C92-D7E584E969B3}" type="datetimeFigureOut">
               <a:rPr lang="en-US" smtClean="0"/>
-              <a:t>1/23/2017</a:t>
+              <a:t>19-Jun-15</a:t>
             </a:fld>
             <a:endParaRPr lang="en-US"/>
           </a:p>
@@ -2375,9 +2393,10 @@
           </a:lstStyle>
           <a:p>
             <a:r>
-              <a:rPr lang="en-US"/>
+              <a:rPr lang="en-US" smtClean="0"/>
               <a:t>Click to edit Master title style</a:t>
             </a:r>
+            <a:endParaRPr lang="en-US"/>
           </a:p>
         </p:txBody>
       </p:sp>
@@ -2431,37 +2450,38 @@
           <a:p>
             <a:pPr lvl="0"/>
             <a:r>
-              <a:rPr lang="en-US"/>
+              <a:rPr lang="en-US" smtClean="0"/>
               <a:t>Click to edit Master text styles</a:t>
             </a:r>
           </a:p>
           <a:p>
             <a:pPr lvl="1"/>
             <a:r>
-              <a:rPr lang="en-US"/>
+              <a:rPr lang="en-US" smtClean="0"/>
               <a:t>Second level</a:t>
             </a:r>
           </a:p>
           <a:p>
             <a:pPr lvl="2"/>
             <a:r>
-              <a:rPr lang="en-US"/>
+              <a:rPr lang="en-US" smtClean="0"/>
               <a:t>Third level</a:t>
             </a:r>
           </a:p>
           <a:p>
             <a:pPr lvl="3"/>
             <a:r>
-              <a:rPr lang="en-US"/>
+              <a:rPr lang="en-US" smtClean="0"/>
               <a:t>Fourth level</a:t>
             </a:r>
           </a:p>
           <a:p>
             <a:pPr lvl="4"/>
             <a:r>
-              <a:rPr lang="en-US"/>
+              <a:rPr lang="en-US" smtClean="0"/>
               <a:t>Fifth level</a:t>
             </a:r>
+            <a:endParaRPr lang="en-US"/>
           </a:p>
         </p:txBody>
       </p:sp>
@@ -2524,7 +2544,7 @@
           <a:p>
             <a:pPr lvl="0"/>
             <a:r>
-              <a:rPr lang="en-US"/>
+              <a:rPr lang="en-US" smtClean="0"/>
               <a:t>Click to edit Master text styles</a:t>
             </a:r>
           </a:p>
@@ -2547,7 +2567,7 @@
           <a:p>
             <a:fld id="{699DC775-C286-4358-8C92-D7E584E969B3}" type="datetimeFigureOut">
               <a:rPr lang="en-US" smtClean="0"/>
-              <a:t>1/23/2017</a:t>
+              <a:t>19-Jun-15</a:t>
             </a:fld>
             <a:endParaRPr lang="en-US"/>
           </a:p>
@@ -2641,9 +2661,10 @@
           <a:lstStyle/>
           <a:p>
             <a:r>
-              <a:rPr lang="en-US"/>
+              <a:rPr lang="en-US" smtClean="0"/>
               <a:t>Click to edit Master title style</a:t>
             </a:r>
+            <a:endParaRPr lang="en-US"/>
           </a:p>
         </p:txBody>
       </p:sp>
@@ -2664,37 +2685,38 @@
           <a:p>
             <a:pPr lvl="0"/>
             <a:r>
-              <a:rPr lang="en-US"/>
+              <a:rPr lang="en-US" smtClean="0"/>
               <a:t>Click to edit Master text styles</a:t>
             </a:r>
           </a:p>
           <a:p>
             <a:pPr lvl="1"/>
             <a:r>
-              <a:rPr lang="en-US"/>
+              <a:rPr lang="en-US" smtClean="0"/>
               <a:t>Second level</a:t>
             </a:r>
           </a:p>
           <a:p>
             <a:pPr lvl="2"/>
             <a:r>
-              <a:rPr lang="en-US"/>
+              <a:rPr lang="en-US" smtClean="0"/>
               <a:t>Third level</a:t>
             </a:r>
           </a:p>
           <a:p>
             <a:pPr lvl="3"/>
             <a:r>
-              <a:rPr lang="en-US"/>
+              <a:rPr lang="en-US" smtClean="0"/>
               <a:t>Fourth level</a:t>
             </a:r>
           </a:p>
           <a:p>
             <a:pPr lvl="4"/>
             <a:r>
-              <a:rPr lang="en-US"/>
+              <a:rPr lang="en-US" smtClean="0"/>
               <a:t>Fifth level</a:t>
             </a:r>
+            <a:endParaRPr lang="en-US"/>
           </a:p>
         </p:txBody>
       </p:sp>
@@ -2715,7 +2737,7 @@
           <a:p>
             <a:fld id="{699DC775-C286-4358-8C92-D7E584E969B3}" type="datetimeFigureOut">
               <a:rPr lang="en-US" smtClean="0"/>
-              <a:t>1/23/2017</a:t>
+              <a:t>19-Jun-15</a:t>
             </a:fld>
             <a:endParaRPr lang="en-US"/>
           </a:p>
@@ -2818,9 +2840,10 @@
           </a:lstStyle>
           <a:p>
             <a:r>
-              <a:rPr lang="en-US"/>
+              <a:rPr lang="en-US" smtClean="0"/>
               <a:t>Click to edit Master title style</a:t>
             </a:r>
+            <a:endParaRPr lang="en-US"/>
           </a:p>
         </p:txBody>
       </p:sp>
@@ -2944,7 +2967,7 @@
           <a:p>
             <a:pPr lvl="0"/>
             <a:r>
-              <a:rPr lang="en-US"/>
+              <a:rPr lang="en-US" smtClean="0"/>
               <a:t>Click to edit Master text styles</a:t>
             </a:r>
           </a:p>
@@ -2967,7 +2990,7 @@
           <a:p>
             <a:fld id="{699DC775-C286-4358-8C92-D7E584E969B3}" type="datetimeFigureOut">
               <a:rPr lang="en-US" smtClean="0"/>
-              <a:t>1/23/2017</a:t>
+              <a:t>19-Jun-15</a:t>
             </a:fld>
             <a:endParaRPr lang="en-US"/>
           </a:p>
@@ -3061,9 +3084,10 @@
           <a:lstStyle/>
           <a:p>
             <a:r>
-              <a:rPr lang="en-US"/>
+              <a:rPr lang="en-US" smtClean="0"/>
               <a:t>Click to edit Master title style</a:t>
             </a:r>
+            <a:endParaRPr lang="en-US"/>
           </a:p>
         </p:txBody>
       </p:sp>
@@ -3084,37 +3108,38 @@
           <a:p>
             <a:pPr lvl="0"/>
             <a:r>
-              <a:rPr lang="en-US"/>
+              <a:rPr lang="en-US" smtClean="0"/>
               <a:t>Click to edit Master text styles</a:t>
             </a:r>
           </a:p>
           <a:p>
             <a:pPr lvl="1"/>
             <a:r>
-              <a:rPr lang="en-US"/>
+              <a:rPr lang="en-US" smtClean="0"/>
               <a:t>Second level</a:t>
             </a:r>
           </a:p>
           <a:p>
             <a:pPr lvl="2"/>
             <a:r>
-              <a:rPr lang="en-US"/>
+              <a:rPr lang="en-US" smtClean="0"/>
               <a:t>Third level</a:t>
             </a:r>
           </a:p>
           <a:p>
             <a:pPr lvl="3"/>
             <a:r>
-              <a:rPr lang="en-US"/>
+              <a:rPr lang="en-US" smtClean="0"/>
               <a:t>Fourth level</a:t>
             </a:r>
           </a:p>
           <a:p>
             <a:pPr lvl="4"/>
             <a:r>
-              <a:rPr lang="en-US"/>
+              <a:rPr lang="en-US" smtClean="0"/>
               <a:t>Fifth level</a:t>
             </a:r>
+            <a:endParaRPr lang="en-US"/>
           </a:p>
         </p:txBody>
       </p:sp>
@@ -3135,7 +3160,7 @@
           <a:p>
             <a:fld id="{699DC775-C286-4358-8C92-D7E584E969B3}" type="datetimeFigureOut">
               <a:rPr lang="en-US" smtClean="0"/>
-              <a:t>1/23/2017</a:t>
+              <a:t>19-Jun-15</a:t>
             </a:fld>
             <a:endParaRPr lang="en-US"/>
           </a:p>
@@ -3234,9 +3259,10 @@
           <a:lstStyle/>
           <a:p>
             <a:r>
-              <a:rPr lang="en-US"/>
+              <a:rPr lang="en-US" smtClean="0"/>
               <a:t>Click to edit Master title style</a:t>
             </a:r>
+            <a:endParaRPr lang="en-US"/>
           </a:p>
         </p:txBody>
       </p:sp>
@@ -3262,37 +3288,38 @@
           <a:p>
             <a:pPr lvl="0"/>
             <a:r>
-              <a:rPr lang="en-US"/>
+              <a:rPr lang="en-US" smtClean="0"/>
               <a:t>Click to edit Master text styles</a:t>
             </a:r>
           </a:p>
           <a:p>
             <a:pPr lvl="1"/>
             <a:r>
-              <a:rPr lang="en-US"/>
+              <a:rPr lang="en-US" smtClean="0"/>
               <a:t>Second level</a:t>
             </a:r>
           </a:p>
           <a:p>
             <a:pPr lvl="2"/>
             <a:r>
-              <a:rPr lang="en-US"/>
+              <a:rPr lang="en-US" smtClean="0"/>
               <a:t>Third level</a:t>
             </a:r>
           </a:p>
           <a:p>
             <a:pPr lvl="3"/>
             <a:r>
-              <a:rPr lang="en-US"/>
+              <a:rPr lang="en-US" smtClean="0"/>
               <a:t>Fourth level</a:t>
             </a:r>
           </a:p>
           <a:p>
             <a:pPr lvl="4"/>
             <a:r>
-              <a:rPr lang="en-US"/>
+              <a:rPr lang="en-US" smtClean="0"/>
               <a:t>Fifth level</a:t>
             </a:r>
+            <a:endParaRPr lang="en-US"/>
           </a:p>
         </p:txBody>
       </p:sp>
@@ -3313,7 +3340,7 @@
           <a:p>
             <a:fld id="{699DC775-C286-4358-8C92-D7E584E969B3}" type="datetimeFigureOut">
               <a:rPr lang="en-US" smtClean="0"/>
-              <a:t>1/23/2017</a:t>
+              <a:t>19-Jun-15</a:t>
             </a:fld>
             <a:endParaRPr lang="en-US"/>
           </a:p>
@@ -3420,9 +3447,10 @@
           <a:lstStyle/>
           <a:p>
             <a:r>
-              <a:rPr lang="en-US"/>
+              <a:rPr lang="en-US" smtClean="0"/>
               <a:t>Click to edit Master title style</a:t>
             </a:r>
+            <a:endParaRPr lang="en-US"/>
           </a:p>
         </p:txBody>
       </p:sp>
@@ -3538,9 +3566,10 @@
           </a:lstStyle>
           <a:p>
             <a:r>
-              <a:rPr lang="en-US"/>
+              <a:rPr lang="en-US" smtClean="0"/>
               <a:t>Click to edit Master subtitle style</a:t>
             </a:r>
+            <a:endParaRPr lang="en-US"/>
           </a:p>
         </p:txBody>
       </p:sp>
@@ -3561,7 +3590,7 @@
           <a:p>
             <a:fld id="{699DC775-C286-4358-8C92-D7E584E969B3}" type="datetimeFigureOut">
               <a:rPr lang="en-US" smtClean="0"/>
-              <a:t>1/23/2017</a:t>
+              <a:t>19-Jun-15</a:t>
             </a:fld>
             <a:endParaRPr lang="en-US"/>
           </a:p>
@@ -3663,9 +3692,10 @@
           <a:lstStyle/>
           <a:p>
             <a:r>
-              <a:rPr lang="en-US"/>
+              <a:rPr lang="en-US" smtClean="0"/>
               <a:t>Click to edit Master title style</a:t>
             </a:r>
+            <a:endParaRPr lang="en-US"/>
           </a:p>
         </p:txBody>
       </p:sp>
@@ -3686,37 +3716,38 @@
           <a:p>
             <a:pPr lvl="0"/>
             <a:r>
-              <a:rPr lang="en-US"/>
+              <a:rPr lang="en-US" smtClean="0"/>
               <a:t>Click to edit Master text styles</a:t>
             </a:r>
           </a:p>
           <a:p>
             <a:pPr lvl="1"/>
             <a:r>
-              <a:rPr lang="en-US"/>
+              <a:rPr lang="en-US" smtClean="0"/>
               <a:t>Second level</a:t>
             </a:r>
           </a:p>
           <a:p>
             <a:pPr lvl="2"/>
             <a:r>
-              <a:rPr lang="en-US"/>
+              <a:rPr lang="en-US" smtClean="0"/>
               <a:t>Third level</a:t>
             </a:r>
           </a:p>
           <a:p>
             <a:pPr lvl="3"/>
             <a:r>
-              <a:rPr lang="en-US"/>
+              <a:rPr lang="en-US" smtClean="0"/>
               <a:t>Fourth level</a:t>
             </a:r>
           </a:p>
           <a:p>
             <a:pPr lvl="4"/>
             <a:r>
-              <a:rPr lang="en-US"/>
+              <a:rPr lang="en-US" smtClean="0"/>
               <a:t>Fifth level</a:t>
             </a:r>
+            <a:endParaRPr lang="en-US"/>
           </a:p>
         </p:txBody>
       </p:sp>
@@ -3737,7 +3768,7 @@
           <a:p>
             <a:fld id="{699DC775-C286-4358-8C92-D7E584E969B3}" type="datetimeFigureOut">
               <a:rPr lang="en-US" smtClean="0"/>
-              <a:t>1/23/2017</a:t>
+              <a:t>19-Jun-15</a:t>
             </a:fld>
             <a:endParaRPr lang="en-US"/>
           </a:p>
@@ -3848,9 +3879,10 @@
           </a:lstStyle>
           <a:p>
             <a:r>
-              <a:rPr lang="en-US"/>
+              <a:rPr lang="en-US" smtClean="0"/>
               <a:t>Click to edit Master title style</a:t>
             </a:r>
+            <a:endParaRPr lang="en-US"/>
           </a:p>
         </p:txBody>
       </p:sp>
@@ -3967,7 +3999,7 @@
           <a:p>
             <a:pPr lvl="0"/>
             <a:r>
-              <a:rPr lang="en-US"/>
+              <a:rPr lang="en-US" smtClean="0"/>
               <a:t>Click to edit Master text styles</a:t>
             </a:r>
           </a:p>
@@ -3990,7 +4022,7 @@
           <a:p>
             <a:fld id="{699DC775-C286-4358-8C92-D7E584E969B3}" type="datetimeFigureOut">
               <a:rPr lang="en-US" smtClean="0"/>
-              <a:t>1/23/2017</a:t>
+              <a:t>19-Jun-15</a:t>
             </a:fld>
             <a:endParaRPr lang="en-US"/>
           </a:p>
@@ -4092,9 +4124,10 @@
           <a:lstStyle/>
           <a:p>
             <a:r>
-              <a:rPr lang="en-US"/>
+              <a:rPr lang="en-US" smtClean="0"/>
               <a:t>Click to edit Master title style</a:t>
             </a:r>
+            <a:endParaRPr lang="en-US"/>
           </a:p>
         </p:txBody>
       </p:sp>
@@ -4148,37 +4181,38 @@
           <a:p>
             <a:pPr lvl="0"/>
             <a:r>
-              <a:rPr lang="en-US"/>
+              <a:rPr lang="en-US" smtClean="0"/>
               <a:t>Click to edit Master text styles</a:t>
             </a:r>
           </a:p>
           <a:p>
             <a:pPr lvl="1"/>
             <a:r>
-              <a:rPr lang="en-US"/>
+              <a:rPr lang="en-US" smtClean="0"/>
               <a:t>Second level</a:t>
             </a:r>
           </a:p>
           <a:p>
             <a:pPr lvl="2"/>
             <a:r>
-              <a:rPr lang="en-US"/>
+              <a:rPr lang="en-US" smtClean="0"/>
               <a:t>Third level</a:t>
             </a:r>
           </a:p>
           <a:p>
             <a:pPr lvl="3"/>
             <a:r>
-              <a:rPr lang="en-US"/>
+              <a:rPr lang="en-US" smtClean="0"/>
               <a:t>Fourth level</a:t>
             </a:r>
           </a:p>
           <a:p>
             <a:pPr lvl="4"/>
             <a:r>
-              <a:rPr lang="en-US"/>
+              <a:rPr lang="en-US" smtClean="0"/>
               <a:t>Fifth level</a:t>
             </a:r>
+            <a:endParaRPr lang="en-US"/>
           </a:p>
         </p:txBody>
       </p:sp>
@@ -4232,37 +4266,38 @@
           <a:p>
             <a:pPr lvl="0"/>
             <a:r>
-              <a:rPr lang="en-US"/>
+              <a:rPr lang="en-US" smtClean="0"/>
               <a:t>Click to edit Master text styles</a:t>
             </a:r>
           </a:p>
           <a:p>
             <a:pPr lvl="1"/>
             <a:r>
-              <a:rPr lang="en-US"/>
+              <a:rPr lang="en-US" smtClean="0"/>
               <a:t>Second level</a:t>
             </a:r>
           </a:p>
           <a:p>
             <a:pPr lvl="2"/>
             <a:r>
-              <a:rPr lang="en-US"/>
+              <a:rPr lang="en-US" smtClean="0"/>
               <a:t>Third level</a:t>
             </a:r>
           </a:p>
           <a:p>
             <a:pPr lvl="3"/>
             <a:r>
-              <a:rPr lang="en-US"/>
+              <a:rPr lang="en-US" smtClean="0"/>
               <a:t>Fourth level</a:t>
             </a:r>
           </a:p>
           <a:p>
             <a:pPr lvl="4"/>
             <a:r>
-              <a:rPr lang="en-US"/>
+              <a:rPr lang="en-US" smtClean="0"/>
               <a:t>Fifth level</a:t>
             </a:r>
+            <a:endParaRPr lang="en-US"/>
           </a:p>
         </p:txBody>
       </p:sp>
@@ -4283,7 +4318,7 @@
           <a:p>
             <a:fld id="{699DC775-C286-4358-8C92-D7E584E969B3}" type="datetimeFigureOut">
               <a:rPr lang="en-US" smtClean="0"/>
-              <a:t>1/23/2017</a:t>
+              <a:t>19-Jun-15</a:t>
             </a:fld>
             <a:endParaRPr lang="en-US"/>
           </a:p>
@@ -4389,9 +4424,10 @@
           </a:lstStyle>
           <a:p>
             <a:r>
-              <a:rPr lang="en-US"/>
+              <a:rPr lang="en-US" smtClean="0"/>
               <a:t>Click to edit Master title style</a:t>
             </a:r>
+            <a:endParaRPr lang="en-US"/>
           </a:p>
         </p:txBody>
       </p:sp>
@@ -4454,7 +4490,7 @@
           <a:p>
             <a:pPr lvl="0"/>
             <a:r>
-              <a:rPr lang="en-US"/>
+              <a:rPr lang="en-US" smtClean="0"/>
               <a:t>Click to edit Master text styles</a:t>
             </a:r>
           </a:p>
@@ -4510,37 +4546,38 @@
           <a:p>
             <a:pPr lvl="0"/>
             <a:r>
-              <a:rPr lang="en-US"/>
+              <a:rPr lang="en-US" smtClean="0"/>
               <a:t>Click to edit Master text styles</a:t>
             </a:r>
           </a:p>
           <a:p>
             <a:pPr lvl="1"/>
             <a:r>
-              <a:rPr lang="en-US"/>
+              <a:rPr lang="en-US" smtClean="0"/>
               <a:t>Second level</a:t>
             </a:r>
           </a:p>
           <a:p>
             <a:pPr lvl="2"/>
             <a:r>
-              <a:rPr lang="en-US"/>
+              <a:rPr lang="en-US" smtClean="0"/>
               <a:t>Third level</a:t>
             </a:r>
           </a:p>
           <a:p>
             <a:pPr lvl="3"/>
             <a:r>
-              <a:rPr lang="en-US"/>
+              <a:rPr lang="en-US" smtClean="0"/>
               <a:t>Fourth level</a:t>
             </a:r>
           </a:p>
           <a:p>
             <a:pPr lvl="4"/>
             <a:r>
-              <a:rPr lang="en-US"/>
+              <a:rPr lang="en-US" smtClean="0"/>
               <a:t>Fifth level</a:t>
             </a:r>
+            <a:endParaRPr lang="en-US"/>
           </a:p>
         </p:txBody>
       </p:sp>
@@ -4603,7 +4640,7 @@
           <a:p>
             <a:pPr lvl="0"/>
             <a:r>
-              <a:rPr lang="en-US"/>
+              <a:rPr lang="en-US" smtClean="0"/>
               <a:t>Click to edit Master text styles</a:t>
             </a:r>
           </a:p>
@@ -4659,37 +4696,38 @@
           <a:p>
             <a:pPr lvl="0"/>
             <a:r>
-              <a:rPr lang="en-US"/>
+              <a:rPr lang="en-US" smtClean="0"/>
               <a:t>Click to edit Master text styles</a:t>
             </a:r>
           </a:p>
           <a:p>
             <a:pPr lvl="1"/>
             <a:r>
-              <a:rPr lang="en-US"/>
+              <a:rPr lang="en-US" smtClean="0"/>
               <a:t>Second level</a:t>
             </a:r>
           </a:p>
           <a:p>
             <a:pPr lvl="2"/>
             <a:r>
-              <a:rPr lang="en-US"/>
+              <a:rPr lang="en-US" smtClean="0"/>
               <a:t>Third level</a:t>
             </a:r>
           </a:p>
           <a:p>
             <a:pPr lvl="3"/>
             <a:r>
-              <a:rPr lang="en-US"/>
+              <a:rPr lang="en-US" smtClean="0"/>
               <a:t>Fourth level</a:t>
             </a:r>
           </a:p>
           <a:p>
             <a:pPr lvl="4"/>
             <a:r>
-              <a:rPr lang="en-US"/>
+              <a:rPr lang="en-US" smtClean="0"/>
               <a:t>Fifth level</a:t>
             </a:r>
+            <a:endParaRPr lang="en-US"/>
           </a:p>
         </p:txBody>
       </p:sp>
@@ -4710,7 +4748,7 @@
           <a:p>
             <a:fld id="{699DC775-C286-4358-8C92-D7E584E969B3}" type="datetimeFigureOut">
               <a:rPr lang="en-US" smtClean="0"/>
-              <a:t>1/23/2017</a:t>
+              <a:t>19-Jun-15</a:t>
             </a:fld>
             <a:endParaRPr lang="en-US"/>
           </a:p>
@@ -4812,9 +4850,10 @@
           <a:lstStyle/>
           <a:p>
             <a:r>
-              <a:rPr lang="en-US"/>
+              <a:rPr lang="en-US" smtClean="0"/>
               <a:t>Click to edit Master title style</a:t>
             </a:r>
+            <a:endParaRPr lang="en-US"/>
           </a:p>
         </p:txBody>
       </p:sp>
@@ -4835,7 +4874,7 @@
           <a:p>
             <a:fld id="{699DC775-C286-4358-8C92-D7E584E969B3}" type="datetimeFigureOut">
               <a:rPr lang="en-US" smtClean="0"/>
-              <a:t>1/23/2017</a:t>
+              <a:t>19-Jun-15</a:t>
             </a:fld>
             <a:endParaRPr lang="en-US"/>
           </a:p>
@@ -4938,7 +4977,7 @@
           <a:p>
             <a:fld id="{699DC775-C286-4358-8C92-D7E584E969B3}" type="datetimeFigureOut">
               <a:rPr lang="en-US" smtClean="0"/>
-              <a:t>1/23/2017</a:t>
+              <a:t>19-Jun-15</a:t>
             </a:fld>
             <a:endParaRPr lang="en-US"/>
           </a:p>
@@ -5041,9 +5080,10 @@
           </a:lstStyle>
           <a:p>
             <a:r>
-              <a:rPr lang="en-US"/>
+              <a:rPr lang="en-US" smtClean="0"/>
               <a:t>Click to edit Master title style</a:t>
             </a:r>
+            <a:endParaRPr lang="en-US"/>
           </a:p>
         </p:txBody>
       </p:sp>
@@ -5160,7 +5200,7 @@
           <a:p>
             <a:pPr lvl="0"/>
             <a:r>
-              <a:rPr lang="en-US"/>
+              <a:rPr lang="en-US" smtClean="0"/>
               <a:t>Click to edit Master text styles</a:t>
             </a:r>
           </a:p>
@@ -5183,7 +5223,7 @@
           <a:p>
             <a:fld id="{699DC775-C286-4358-8C92-D7E584E969B3}" type="datetimeFigureOut">
               <a:rPr lang="en-US" smtClean="0"/>
-              <a:t>1/23/2017</a:t>
+              <a:t>19-Jun-15</a:t>
             </a:fld>
             <a:endParaRPr lang="en-US"/>
           </a:p>
@@ -5294,9 +5334,10 @@
           </a:lstStyle>
           <a:p>
             <a:r>
-              <a:rPr lang="en-US"/>
+              <a:rPr lang="en-US" smtClean="0"/>
               <a:t>Click to edit Master title style</a:t>
             </a:r>
+            <a:endParaRPr lang="en-US"/>
           </a:p>
         </p:txBody>
       </p:sp>
@@ -5350,37 +5391,38 @@
           <a:p>
             <a:pPr lvl="0"/>
             <a:r>
-              <a:rPr lang="en-US"/>
+              <a:rPr lang="en-US" smtClean="0"/>
               <a:t>Click to edit Master text styles</a:t>
             </a:r>
           </a:p>
           <a:p>
             <a:pPr lvl="1"/>
             <a:r>
-              <a:rPr lang="en-US"/>
+              <a:rPr lang="en-US" smtClean="0"/>
               <a:t>Second level</a:t>
             </a:r>
           </a:p>
           <a:p>
             <a:pPr lvl="2"/>
             <a:r>
-              <a:rPr lang="en-US"/>
+              <a:rPr lang="en-US" smtClean="0"/>
               <a:t>Third level</a:t>
             </a:r>
           </a:p>
           <a:p>
             <a:pPr lvl="3"/>
             <a:r>
-              <a:rPr lang="en-US"/>
+              <a:rPr lang="en-US" smtClean="0"/>
               <a:t>Fourth level</a:t>
             </a:r>
           </a:p>
           <a:p>
             <a:pPr lvl="4"/>
             <a:r>
-              <a:rPr lang="en-US"/>
+              <a:rPr lang="en-US" smtClean="0"/>
               <a:t>Fifth level</a:t>
             </a:r>
+            <a:endParaRPr lang="en-US"/>
           </a:p>
         </p:txBody>
       </p:sp>
@@ -5443,7 +5485,7 @@
           <a:p>
             <a:pPr lvl="0"/>
             <a:r>
-              <a:rPr lang="en-US"/>
+              <a:rPr lang="en-US" smtClean="0"/>
               <a:t>Click to edit Master text styles</a:t>
             </a:r>
           </a:p>
@@ -5466,7 +5508,7 @@
           <a:p>
             <a:fld id="{699DC775-C286-4358-8C92-D7E584E969B3}" type="datetimeFigureOut">
               <a:rPr lang="en-US" smtClean="0"/>
-              <a:t>1/23/2017</a:t>
+              <a:t>19-Jun-15</a:t>
             </a:fld>
             <a:endParaRPr lang="en-US"/>
           </a:p>
@@ -5577,9 +5619,10 @@
           </a:lstStyle>
           <a:p>
             <a:r>
-              <a:rPr lang="en-US"/>
+              <a:rPr lang="en-US" smtClean="0"/>
               <a:t>Click to edit Master title style</a:t>
             </a:r>
+            <a:endParaRPr lang="en-US"/>
           </a:p>
         </p:txBody>
       </p:sp>
@@ -5703,7 +5746,7 @@
           <a:p>
             <a:pPr lvl="0"/>
             <a:r>
-              <a:rPr lang="en-US"/>
+              <a:rPr lang="en-US" smtClean="0"/>
               <a:t>Click to edit Master text styles</a:t>
             </a:r>
           </a:p>
@@ -5726,7 +5769,7 @@
           <a:p>
             <a:fld id="{699DC775-C286-4358-8C92-D7E584E969B3}" type="datetimeFigureOut">
               <a:rPr lang="en-US" smtClean="0"/>
-              <a:t>1/23/2017</a:t>
+              <a:t>19-Jun-15</a:t>
             </a:fld>
             <a:endParaRPr lang="en-US"/>
           </a:p>
@@ -5828,9 +5871,10 @@
           <a:lstStyle/>
           <a:p>
             <a:r>
-              <a:rPr lang="en-US"/>
+              <a:rPr lang="en-US" smtClean="0"/>
               <a:t>Click to edit Master title style</a:t>
             </a:r>
+            <a:endParaRPr lang="en-US"/>
           </a:p>
         </p:txBody>
       </p:sp>
@@ -5851,37 +5895,38 @@
           <a:p>
             <a:pPr lvl="0"/>
             <a:r>
-              <a:rPr lang="en-US"/>
+              <a:rPr lang="en-US" smtClean="0"/>
               <a:t>Click to edit Master text styles</a:t>
             </a:r>
           </a:p>
           <a:p>
             <a:pPr lvl="1"/>
             <a:r>
-              <a:rPr lang="en-US"/>
+              <a:rPr lang="en-US" smtClean="0"/>
               <a:t>Second level</a:t>
             </a:r>
           </a:p>
           <a:p>
             <a:pPr lvl="2"/>
             <a:r>
-              <a:rPr lang="en-US"/>
+              <a:rPr lang="en-US" smtClean="0"/>
               <a:t>Third level</a:t>
             </a:r>
           </a:p>
           <a:p>
             <a:pPr lvl="3"/>
             <a:r>
-              <a:rPr lang="en-US"/>
+              <a:rPr lang="en-US" smtClean="0"/>
               <a:t>Fourth level</a:t>
             </a:r>
           </a:p>
           <a:p>
             <a:pPr lvl="4"/>
             <a:r>
-              <a:rPr lang="en-US"/>
+              <a:rPr lang="en-US" smtClean="0"/>
               <a:t>Fifth level</a:t>
             </a:r>
+            <a:endParaRPr lang="en-US"/>
           </a:p>
         </p:txBody>
       </p:sp>
@@ -5902,7 +5947,7 @@
           <a:p>
             <a:fld id="{699DC775-C286-4358-8C92-D7E584E969B3}" type="datetimeFigureOut">
               <a:rPr lang="en-US" smtClean="0"/>
-              <a:t>1/23/2017</a:t>
+              <a:t>19-Jun-15</a:t>
             </a:fld>
             <a:endParaRPr lang="en-US"/>
           </a:p>
@@ -6009,9 +6054,10 @@
           <a:lstStyle/>
           <a:p>
             <a:r>
-              <a:rPr lang="en-US"/>
+              <a:rPr lang="en-US" smtClean="0"/>
               <a:t>Click to edit Master title style</a:t>
             </a:r>
+            <a:endParaRPr lang="en-US"/>
           </a:p>
         </p:txBody>
       </p:sp>
@@ -6037,37 +6083,38 @@
           <a:p>
             <a:pPr lvl="0"/>
             <a:r>
-              <a:rPr lang="en-US"/>
+              <a:rPr lang="en-US" smtClean="0"/>
               <a:t>Click to edit Master text styles</a:t>
             </a:r>
           </a:p>
           <a:p>
             <a:pPr lvl="1"/>
             <a:r>
-              <a:rPr lang="en-US"/>
+              <a:rPr lang="en-US" smtClean="0"/>
               <a:t>Second level</a:t>
             </a:r>
           </a:p>
           <a:p>
             <a:pPr lvl="2"/>
             <a:r>
-              <a:rPr lang="en-US"/>
+              <a:rPr lang="en-US" smtClean="0"/>
               <a:t>Third level</a:t>
             </a:r>
           </a:p>
           <a:p>
             <a:pPr lvl="3"/>
             <a:r>
-              <a:rPr lang="en-US"/>
+              <a:rPr lang="en-US" smtClean="0"/>
               <a:t>Fourth level</a:t>
             </a:r>
           </a:p>
           <a:p>
             <a:pPr lvl="4"/>
             <a:r>
-              <a:rPr lang="en-US"/>
+              <a:rPr lang="en-US" smtClean="0"/>
               <a:t>Fifth level</a:t>
             </a:r>
+            <a:endParaRPr lang="en-US"/>
           </a:p>
         </p:txBody>
       </p:sp>
@@ -6088,7 +6135,7 @@
           <a:p>
             <a:fld id="{699DC775-C286-4358-8C92-D7E584E969B3}" type="datetimeFigureOut">
               <a:rPr lang="en-US" smtClean="0"/>
-              <a:t>1/23/2017</a:t>
+              <a:t>19-Jun-15</a:t>
             </a:fld>
             <a:endParaRPr lang="en-US"/>
           </a:p>
@@ -6182,9 +6229,10 @@
           <a:lstStyle/>
           <a:p>
             <a:r>
-              <a:rPr lang="en-US"/>
+              <a:rPr lang="en-US" smtClean="0"/>
               <a:t>Click to edit Master title style</a:t>
             </a:r>
+            <a:endParaRPr lang="en-US"/>
           </a:p>
         </p:txBody>
       </p:sp>
@@ -6238,37 +6286,38 @@
           <a:p>
             <a:pPr lvl="0"/>
             <a:r>
-              <a:rPr lang="en-US"/>
+              <a:rPr lang="en-US" smtClean="0"/>
               <a:t>Click to edit Master text styles</a:t>
             </a:r>
           </a:p>
           <a:p>
             <a:pPr lvl="1"/>
             <a:r>
-              <a:rPr lang="en-US"/>
+              <a:rPr lang="en-US" smtClean="0"/>
               <a:t>Second level</a:t>
             </a:r>
           </a:p>
           <a:p>
             <a:pPr lvl="2"/>
             <a:r>
-              <a:rPr lang="en-US"/>
+              <a:rPr lang="en-US" smtClean="0"/>
               <a:t>Third level</a:t>
             </a:r>
           </a:p>
           <a:p>
             <a:pPr lvl="3"/>
             <a:r>
-              <a:rPr lang="en-US"/>
+              <a:rPr lang="en-US" smtClean="0"/>
               <a:t>Fourth level</a:t>
             </a:r>
           </a:p>
           <a:p>
             <a:pPr lvl="4"/>
             <a:r>
-              <a:rPr lang="en-US"/>
+              <a:rPr lang="en-US" smtClean="0"/>
               <a:t>Fifth level</a:t>
             </a:r>
+            <a:endParaRPr lang="en-US"/>
           </a:p>
         </p:txBody>
       </p:sp>
@@ -6322,37 +6371,38 @@
           <a:p>
             <a:pPr lvl="0"/>
             <a:r>
-              <a:rPr lang="en-US"/>
+              <a:rPr lang="en-US" smtClean="0"/>
               <a:t>Click to edit Master text styles</a:t>
             </a:r>
           </a:p>
           <a:p>
             <a:pPr lvl="1"/>
             <a:r>
-              <a:rPr lang="en-US"/>
+              <a:rPr lang="en-US" smtClean="0"/>
               <a:t>Second level</a:t>
             </a:r>
           </a:p>
           <a:p>
             <a:pPr lvl="2"/>
             <a:r>
-              <a:rPr lang="en-US"/>
+              <a:rPr lang="en-US" smtClean="0"/>
               <a:t>Third level</a:t>
             </a:r>
           </a:p>
           <a:p>
             <a:pPr lvl="3"/>
             <a:r>
-              <a:rPr lang="en-US"/>
+              <a:rPr lang="en-US" smtClean="0"/>
               <a:t>Fourth level</a:t>
             </a:r>
           </a:p>
           <a:p>
             <a:pPr lvl="4"/>
             <a:r>
-              <a:rPr lang="en-US"/>
+              <a:rPr lang="en-US" smtClean="0"/>
               <a:t>Fifth level</a:t>
             </a:r>
+            <a:endParaRPr lang="en-US"/>
           </a:p>
         </p:txBody>
       </p:sp>
@@ -6373,7 +6423,7 @@
           <a:p>
             <a:fld id="{699DC775-C286-4358-8C92-D7E584E969B3}" type="datetimeFigureOut">
               <a:rPr lang="en-US" smtClean="0"/>
-              <a:t>1/23/2017</a:t>
+              <a:t>19-Jun-15</a:t>
             </a:fld>
             <a:endParaRPr lang="en-US"/>
           </a:p>
@@ -6471,9 +6521,10 @@
           </a:lstStyle>
           <a:p>
             <a:r>
-              <a:rPr lang="en-US"/>
+              <a:rPr lang="en-US" smtClean="0"/>
               <a:t>Click to edit Master title style</a:t>
             </a:r>
+            <a:endParaRPr lang="en-US"/>
           </a:p>
         </p:txBody>
       </p:sp>
@@ -6536,7 +6587,7 @@
           <a:p>
             <a:pPr lvl="0"/>
             <a:r>
-              <a:rPr lang="en-US"/>
+              <a:rPr lang="en-US" smtClean="0"/>
               <a:t>Click to edit Master text styles</a:t>
             </a:r>
           </a:p>
@@ -6592,37 +6643,38 @@
           <a:p>
             <a:pPr lvl="0"/>
             <a:r>
-              <a:rPr lang="en-US"/>
+              <a:rPr lang="en-US" smtClean="0"/>
               <a:t>Click to edit Master text styles</a:t>
             </a:r>
           </a:p>
           <a:p>
             <a:pPr lvl="1"/>
             <a:r>
-              <a:rPr lang="en-US"/>
+              <a:rPr lang="en-US" smtClean="0"/>
               <a:t>Second level</a:t>
             </a:r>
           </a:p>
           <a:p>
             <a:pPr lvl="2"/>
             <a:r>
-              <a:rPr lang="en-US"/>
+              <a:rPr lang="en-US" smtClean="0"/>
               <a:t>Third level</a:t>
             </a:r>
           </a:p>
           <a:p>
             <a:pPr lvl="3"/>
             <a:r>
-              <a:rPr lang="en-US"/>
+              <a:rPr lang="en-US" smtClean="0"/>
               <a:t>Fourth level</a:t>
             </a:r>
           </a:p>
           <a:p>
             <a:pPr lvl="4"/>
             <a:r>
-              <a:rPr lang="en-US"/>
+              <a:rPr lang="en-US" smtClean="0"/>
               <a:t>Fifth level</a:t>
             </a:r>
+            <a:endParaRPr lang="en-US"/>
           </a:p>
         </p:txBody>
       </p:sp>
@@ -6685,7 +6737,7 @@
           <a:p>
             <a:pPr lvl="0"/>
             <a:r>
-              <a:rPr lang="en-US"/>
+              <a:rPr lang="en-US" smtClean="0"/>
               <a:t>Click to edit Master text styles</a:t>
             </a:r>
           </a:p>
@@ -6741,37 +6793,38 @@
           <a:p>
             <a:pPr lvl="0"/>
             <a:r>
-              <a:rPr lang="en-US"/>
+              <a:rPr lang="en-US" smtClean="0"/>
               <a:t>Click to edit Master text styles</a:t>
             </a:r>
           </a:p>
           <a:p>
             <a:pPr lvl="1"/>
             <a:r>
-              <a:rPr lang="en-US"/>
+              <a:rPr lang="en-US" smtClean="0"/>
               <a:t>Second level</a:t>
             </a:r>
           </a:p>
           <a:p>
             <a:pPr lvl="2"/>
             <a:r>
-              <a:rPr lang="en-US"/>
+              <a:rPr lang="en-US" smtClean="0"/>
               <a:t>Third level</a:t>
             </a:r>
           </a:p>
           <a:p>
             <a:pPr lvl="3"/>
             <a:r>
-              <a:rPr lang="en-US"/>
+              <a:rPr lang="en-US" smtClean="0"/>
               <a:t>Fourth level</a:t>
             </a:r>
           </a:p>
           <a:p>
             <a:pPr lvl="4"/>
             <a:r>
-              <a:rPr lang="en-US"/>
+              <a:rPr lang="en-US" smtClean="0"/>
               <a:t>Fifth level</a:t>
             </a:r>
+            <a:endParaRPr lang="en-US"/>
           </a:p>
         </p:txBody>
       </p:sp>
@@ -6792,7 +6845,7 @@
           <a:p>
             <a:fld id="{699DC775-C286-4358-8C92-D7E584E969B3}" type="datetimeFigureOut">
               <a:rPr lang="en-US" smtClean="0"/>
-              <a:t>1/23/2017</a:t>
+              <a:t>19-Jun-15</a:t>
             </a:fld>
             <a:endParaRPr lang="en-US"/>
           </a:p>
@@ -6886,9 +6939,10 @@
           <a:lstStyle/>
           <a:p>
             <a:r>
-              <a:rPr lang="en-US"/>
+              <a:rPr lang="en-US" smtClean="0"/>
               <a:t>Click to edit Master title style</a:t>
             </a:r>
+            <a:endParaRPr lang="en-US"/>
           </a:p>
         </p:txBody>
       </p:sp>
@@ -6909,7 +6963,7 @@
           <a:p>
             <a:fld id="{699DC775-C286-4358-8C92-D7E584E969B3}" type="datetimeFigureOut">
               <a:rPr lang="en-US" smtClean="0"/>
-              <a:t>1/23/2017</a:t>
+              <a:t>19-Jun-15</a:t>
             </a:fld>
             <a:endParaRPr lang="en-US"/>
           </a:p>
@@ -7004,7 +7058,7 @@
           <a:p>
             <a:fld id="{699DC775-C286-4358-8C92-D7E584E969B3}" type="datetimeFigureOut">
               <a:rPr lang="en-US" smtClean="0"/>
-              <a:t>1/23/2017</a:t>
+              <a:t>19-Jun-15</a:t>
             </a:fld>
             <a:endParaRPr lang="en-US"/>
           </a:p>
@@ -7107,9 +7161,10 @@
           </a:lstStyle>
           <a:p>
             <a:r>
-              <a:rPr lang="en-US"/>
+              <a:rPr lang="en-US" smtClean="0"/>
               <a:t>Click to edit Master title style</a:t>
             </a:r>
+            <a:endParaRPr lang="en-US"/>
           </a:p>
         </p:txBody>
       </p:sp>
@@ -7163,37 +7218,38 @@
           <a:p>
             <a:pPr lvl="0"/>
             <a:r>
-              <a:rPr lang="en-US"/>
+              <a:rPr lang="en-US" smtClean="0"/>
               <a:t>Click to edit Master text styles</a:t>
             </a:r>
           </a:p>
           <a:p>
             <a:pPr lvl="1"/>
             <a:r>
-              <a:rPr lang="en-US"/>
+              <a:rPr lang="en-US" smtClean="0"/>
               <a:t>Second level</a:t>
             </a:r>
           </a:p>
           <a:p>
             <a:pPr lvl="2"/>
             <a:r>
-              <a:rPr lang="en-US"/>
+              <a:rPr lang="en-US" smtClean="0"/>
               <a:t>Third level</a:t>
             </a:r>
           </a:p>
           <a:p>
             <a:pPr lvl="3"/>
             <a:r>
-              <a:rPr lang="en-US"/>
+              <a:rPr lang="en-US" smtClean="0"/>
               <a:t>Fourth level</a:t>
             </a:r>
           </a:p>
           <a:p>
             <a:pPr lvl="4"/>
             <a:r>
-              <a:rPr lang="en-US"/>
+              <a:rPr lang="en-US" smtClean="0"/>
               <a:t>Fifth level</a:t>
             </a:r>
+            <a:endParaRPr lang="en-US"/>
           </a:p>
         </p:txBody>
       </p:sp>
@@ -7256,7 +7312,7 @@
           <a:p>
             <a:pPr lvl="0"/>
             <a:r>
-              <a:rPr lang="en-US"/>
+              <a:rPr lang="en-US" smtClean="0"/>
               <a:t>Click to edit Master text styles</a:t>
             </a:r>
           </a:p>
@@ -7279,7 +7335,7 @@
           <a:p>
             <a:fld id="{699DC775-C286-4358-8C92-D7E584E969B3}" type="datetimeFigureOut">
               <a:rPr lang="en-US" smtClean="0"/>
-              <a:t>1/23/2017</a:t>
+              <a:t>19-Jun-15</a:t>
             </a:fld>
             <a:endParaRPr lang="en-US"/>
           </a:p>
@@ -7382,9 +7438,10 @@
           </a:lstStyle>
           <a:p>
             <a:r>
-              <a:rPr lang="en-US"/>
+              <a:rPr lang="en-US" smtClean="0"/>
               <a:t>Click to edit Master title style</a:t>
             </a:r>
+            <a:endParaRPr lang="en-US"/>
           </a:p>
         </p:txBody>
       </p:sp>
@@ -7508,7 +7565,7 @@
           <a:p>
             <a:pPr lvl="0"/>
             <a:r>
-              <a:rPr lang="en-US"/>
+              <a:rPr lang="en-US" smtClean="0"/>
               <a:t>Click to edit Master text styles</a:t>
             </a:r>
           </a:p>
@@ -7531,7 +7588,7 @@
           <a:p>
             <a:fld id="{699DC775-C286-4358-8C92-D7E584E969B3}" type="datetimeFigureOut">
               <a:rPr lang="en-US" smtClean="0"/>
-              <a:t>1/23/2017</a:t>
+              <a:t>19-Jun-15</a:t>
             </a:fld>
             <a:endParaRPr lang="en-US"/>
           </a:p>
@@ -7640,9 +7697,10 @@
           <a:lstStyle/>
           <a:p>
             <a:r>
-              <a:rPr lang="en-US"/>
+              <a:rPr lang="en-US" smtClean="0"/>
               <a:t>Click to edit Master title style</a:t>
             </a:r>
+            <a:endParaRPr lang="en-US"/>
           </a:p>
         </p:txBody>
       </p:sp>
@@ -7673,37 +7731,38 @@
           <a:p>
             <a:pPr lvl="0"/>
             <a:r>
-              <a:rPr lang="en-US"/>
+              <a:rPr lang="en-US" smtClean="0"/>
               <a:t>Click to edit Master text styles</a:t>
             </a:r>
           </a:p>
           <a:p>
             <a:pPr lvl="1"/>
             <a:r>
-              <a:rPr lang="en-US"/>
+              <a:rPr lang="en-US" smtClean="0"/>
               <a:t>Second level</a:t>
             </a:r>
           </a:p>
           <a:p>
             <a:pPr lvl="2"/>
             <a:r>
-              <a:rPr lang="en-US"/>
+              <a:rPr lang="en-US" smtClean="0"/>
               <a:t>Third level</a:t>
             </a:r>
           </a:p>
           <a:p>
             <a:pPr lvl="3"/>
             <a:r>
-              <a:rPr lang="en-US"/>
+              <a:rPr lang="en-US" smtClean="0"/>
               <a:t>Fourth level</a:t>
             </a:r>
           </a:p>
           <a:p>
             <a:pPr lvl="4"/>
             <a:r>
-              <a:rPr lang="en-US"/>
+              <a:rPr lang="en-US" smtClean="0"/>
               <a:t>Fifth level</a:t>
             </a:r>
+            <a:endParaRPr lang="en-US"/>
           </a:p>
         </p:txBody>
       </p:sp>
@@ -7742,7 +7801,7 @@
           <a:p>
             <a:fld id="{699DC775-C286-4358-8C92-D7E584E969B3}" type="datetimeFigureOut">
               <a:rPr lang="en-US" smtClean="0"/>
-              <a:t>1/23/2017</a:t>
+              <a:t>19-Jun-15</a:t>
             </a:fld>
             <a:endParaRPr lang="en-US"/>
           </a:p>
@@ -8153,9 +8212,10 @@
           <a:lstStyle/>
           <a:p>
             <a:r>
-              <a:rPr lang="en-US"/>
+              <a:rPr lang="en-US" smtClean="0"/>
               <a:t>Click to edit Master title style</a:t>
             </a:r>
+            <a:endParaRPr lang="en-US"/>
           </a:p>
         </p:txBody>
       </p:sp>
@@ -8186,37 +8246,38 @@
           <a:p>
             <a:pPr lvl="0"/>
             <a:r>
-              <a:rPr lang="en-US"/>
+              <a:rPr lang="en-US" smtClean="0"/>
               <a:t>Click to edit Master text styles</a:t>
             </a:r>
           </a:p>
           <a:p>
             <a:pPr lvl="1"/>
             <a:r>
-              <a:rPr lang="en-US"/>
+              <a:rPr lang="en-US" smtClean="0"/>
               <a:t>Second level</a:t>
             </a:r>
           </a:p>
           <a:p>
             <a:pPr lvl="2"/>
             <a:r>
-              <a:rPr lang="en-US"/>
+              <a:rPr lang="en-US" smtClean="0"/>
               <a:t>Third level</a:t>
             </a:r>
           </a:p>
           <a:p>
             <a:pPr lvl="3"/>
             <a:r>
-              <a:rPr lang="en-US"/>
+              <a:rPr lang="en-US" smtClean="0"/>
               <a:t>Fourth level</a:t>
             </a:r>
           </a:p>
           <a:p>
             <a:pPr lvl="4"/>
             <a:r>
-              <a:rPr lang="en-US"/>
+              <a:rPr lang="en-US" smtClean="0"/>
               <a:t>Fifth level</a:t>
             </a:r>
+            <a:endParaRPr lang="en-US"/>
           </a:p>
         </p:txBody>
       </p:sp>
@@ -8255,7 +8316,7 @@
           <a:p>
             <a:fld id="{699DC775-C286-4358-8C92-D7E584E969B3}" type="datetimeFigureOut">
               <a:rPr lang="en-US" smtClean="0"/>
-              <a:t>1/23/2017</a:t>
+              <a:t>19-Jun-15</a:t>
             </a:fld>
             <a:endParaRPr lang="en-US"/>
           </a:p>
@@ -8664,9 +8725,10 @@
           <a:lstStyle/>
           <a:p>
             <a:r>
-              <a:rPr lang="en-US" dirty="0"/>
+              <a:rPr lang="en-US" dirty="0" smtClean="0"/>
               <a:t>Click to edit Master title style</a:t>
             </a:r>
+            <a:endParaRPr lang="en-US" dirty="0"/>
           </a:p>
         </p:txBody>
       </p:sp>
@@ -8697,37 +8759,38 @@
           <a:p>
             <a:pPr lvl="0"/>
             <a:r>
-              <a:rPr lang="en-US"/>
+              <a:rPr lang="en-US" smtClean="0"/>
               <a:t>Click to edit Master text styles</a:t>
             </a:r>
           </a:p>
           <a:p>
             <a:pPr lvl="1"/>
             <a:r>
-              <a:rPr lang="en-US"/>
+              <a:rPr lang="en-US" smtClean="0"/>
               <a:t>Second level</a:t>
             </a:r>
           </a:p>
           <a:p>
             <a:pPr lvl="2"/>
             <a:r>
-              <a:rPr lang="en-US"/>
+              <a:rPr lang="en-US" smtClean="0"/>
               <a:t>Third level</a:t>
             </a:r>
           </a:p>
           <a:p>
             <a:pPr lvl="3"/>
             <a:r>
-              <a:rPr lang="en-US"/>
+              <a:rPr lang="en-US" smtClean="0"/>
               <a:t>Fourth level</a:t>
             </a:r>
           </a:p>
           <a:p>
             <a:pPr lvl="4"/>
             <a:r>
-              <a:rPr lang="en-US"/>
+              <a:rPr lang="en-US" smtClean="0"/>
               <a:t>Fifth level</a:t>
             </a:r>
+            <a:endParaRPr lang="en-US"/>
           </a:p>
         </p:txBody>
       </p:sp>
@@ -8766,7 +8829,7 @@
           <a:p>
             <a:fld id="{699DC775-C286-4358-8C92-D7E584E969B3}" type="datetimeFigureOut">
               <a:rPr lang="en-US" smtClean="0"/>
-              <a:t>1/23/2017</a:t>
+              <a:t>19-Jun-15</a:t>
             </a:fld>
             <a:endParaRPr lang="en-US"/>
           </a:p>
@@ -9159,7 +9222,7 @@
           <a:lstStyle/>
           <a:p>
             <a:r>
-              <a:rPr lang="en-US" sz="5400" b="1" dirty="0" err="1">
+              <a:rPr lang="en-US" sz="5400" b="1" dirty="0" err="1" smtClean="0">
                 <a:solidFill>
                   <a:schemeClr val="accent6">
                     <a:lumMod val="75000"/>
@@ -9169,7 +9232,7 @@
               <a:t>PowerPointLabs</a:t>
             </a:r>
             <a:r>
-              <a:rPr lang="en-US" sz="5400" b="1" dirty="0">
+              <a:rPr lang="en-US" sz="5400" b="1" dirty="0" smtClean="0">
                 <a:solidFill>
                   <a:schemeClr val="accent6">
                     <a:lumMod val="75000"/>
@@ -9207,42 +9270,95 @@
               <a:buNone/>
             </a:pPr>
             <a:r>
+              <a:rPr lang="en-US" b="1" dirty="0" smtClean="0">
+                <a:solidFill>
+                  <a:srgbClr val="0070C0"/>
+                </a:solidFill>
+              </a:rPr>
+              <a:t>General instructions:</a:t>
+            </a:r>
+          </a:p>
+          <a:p>
+            <a:pPr marL="285750" indent="-285750"/>
+            <a:r>
+              <a:rPr lang="en-US" b="1" dirty="0" smtClean="0">
+                <a:solidFill>
+                  <a:srgbClr val="0070C0"/>
+                </a:solidFill>
+              </a:rPr>
+              <a:t>DO </a:t>
+            </a:r>
+            <a:r>
               <a:rPr lang="en-US" b="1" dirty="0">
                 <a:solidFill>
                   <a:srgbClr val="0070C0"/>
                 </a:solidFill>
               </a:rPr>
-              <a:t>General instructions:</a:t>
-            </a:r>
-          </a:p>
-          <a:p>
-            <a:pPr marL="285750" indent="-285750"/>
-            <a:r>
-              <a:rPr lang="en-US" b="1" dirty="0">
+              <a:t>NOT SAVE </a:t>
+            </a:r>
+            <a:r>
+              <a:rPr lang="en-US" dirty="0" smtClean="0">
                 <a:solidFill>
                   <a:srgbClr val="0070C0"/>
                 </a:solidFill>
               </a:rPr>
-              <a:t>DO NOT SAVE </a:t>
-            </a:r>
+              <a:t>these slides after testing. Keep this file in its original form.</a:t>
+            </a:r>
+            <a:endParaRPr lang="en-US" dirty="0">
+              <a:solidFill>
+                <a:srgbClr val="0070C0"/>
+              </a:solidFill>
+            </a:endParaRPr>
+          </a:p>
+          <a:p>
+            <a:pPr marL="285750" indent="-285750"/>
             <a:r>
               <a:rPr lang="en-US" dirty="0">
                 <a:solidFill>
                   <a:srgbClr val="0070C0"/>
                 </a:solidFill>
               </a:rPr>
-              <a:t>these slides after testing. Keep this file in its original form.</a:t>
-            </a:r>
-          </a:p>
-          <a:p>
-            <a:pPr marL="285750" indent="-285750"/>
+              <a:t>If </a:t>
+            </a:r>
+            <a:r>
+              <a:rPr lang="en-US" dirty="0" smtClean="0">
+                <a:solidFill>
+                  <a:srgbClr val="0070C0"/>
+                </a:solidFill>
+              </a:rPr>
+              <a:t>your </a:t>
+            </a:r>
             <a:r>
               <a:rPr lang="en-US" dirty="0">
                 <a:solidFill>
                   <a:srgbClr val="0070C0"/>
                 </a:solidFill>
               </a:rPr>
-              <a:t>If your result is different from the expected output, please submit a bug report (attach slides/screenshots as necessary).</a:t>
+              <a:t>result </a:t>
+            </a:r>
+            <a:r>
+              <a:rPr lang="en-US" dirty="0" smtClean="0">
+                <a:solidFill>
+                  <a:srgbClr val="0070C0"/>
+                </a:solidFill>
+              </a:rPr>
+              <a:t>is different from the </a:t>
+            </a:r>
+            <a:r>
+              <a:rPr lang="en-US" dirty="0">
+                <a:solidFill>
+                  <a:srgbClr val="0070C0"/>
+                </a:solidFill>
+              </a:rPr>
+              <a:t>expected output, </a:t>
+            </a:r>
+            <a:r>
+              <a:rPr lang="en-US" dirty="0" smtClean="0">
+                <a:solidFill>
+                  <a:srgbClr val="0070C0"/>
+                </a:solidFill>
+              </a:rPr>
+              <a:t>please submit a bug report (attach slides/screenshots as necessary).</a:t>
             </a:r>
             <a:endParaRPr lang="en-SG" dirty="0">
               <a:solidFill>
@@ -9265,6 +9381,13 @@
   <p:clrMapOvr>
     <a:masterClrMapping/>
   </p:clrMapOvr>
+  <p:timing>
+    <p:tnLst>
+      <p:par>
+        <p:cTn id="1" dur="indefinite" restart="never" nodeType="tmRoot"/>
+      </p:par>
+    </p:tnLst>
+  </p:timing>
 </p:sld>
 </file>
 
@@ -9304,6 +9427,13 @@
   <p:clrMapOvr>
     <a:masterClrMapping/>
   </p:clrMapOvr>
+  <p:timing>
+    <p:tnLst>
+      <p:par>
+        <p:cTn id="1" dur="indefinite" restart="never" nodeType="tmRoot"/>
+      </p:par>
+    </p:tnLst>
+  </p:timing>
 </p:sld>
 </file>
 
@@ -9334,6 +9464,13 @@
   <p:clrMapOvr>
     <a:masterClrMapping/>
   </p:clrMapOvr>
+  <p:timing>
+    <p:tnLst>
+      <p:par>
+        <p:cTn id="1" dur="indefinite" restart="never" nodeType="tmRoot"/>
+      </p:par>
+    </p:tnLst>
+  </p:timing>
 </p:sld>
 </file>
 
@@ -9372,6 +9509,13 @@
   <p:clrMapOvr>
     <a:masterClrMapping/>
   </p:clrMapOvr>
+  <p:timing>
+    <p:tnLst>
+      <p:par>
+        <p:cTn id="1" dur="indefinite" restart="never" nodeType="tmRoot"/>
+      </p:par>
+    </p:tnLst>
+  </p:timing>
 </p:sld>
 </file>
 
@@ -9404,7 +9548,7 @@
         <p:nvPicPr>
           <p:cNvPr id="2" name="Picture 1"/>
           <p:cNvPicPr>
-            <a:picLocks noChangeAspect="1"/>
+            <a:picLocks/>
           </p:cNvPicPr>
           <p:nvPr/>
         </p:nvPicPr>
@@ -9422,8 +9566,8 @@
         </p:blipFill>
         <p:spPr>
           <a:xfrm>
-            <a:off x="0" y="1029202"/>
-            <a:ext cx="9144000" cy="4799596"/>
+            <a:off x="649224" y="992124"/>
+            <a:ext cx="7845552" cy="4873752"/>
           </a:xfrm>
           <a:prstGeom prst="rect">
             <a:avLst/>
@@ -9433,13 +9577,21 @@
     </p:spTree>
     <p:extLst>
       <p:ext uri="{BB962C8B-B14F-4D97-AF65-F5344CB8AC3E}">
-        <p14:creationId xmlns:p14="http://schemas.microsoft.com/office/powerpoint/2010/main" val="3464616872"/>
+        <p14:creationId xmlns:p14="http://schemas.microsoft.com/office/powerpoint/2010/main" val="528033277"/>
       </p:ext>
     </p:extLst>
   </p:cSld>
   <p:clrMapOvr>
     <a:masterClrMapping/>
   </p:clrMapOvr>
+  <mc:AlternateContent xmlns:mc="http://schemas.openxmlformats.org/markup-compatibility/2006" xmlns:p14="http://schemas.microsoft.com/office/powerpoint/2010/main">
+    <mc:Choice Requires="p14">
+      <p:transition spd="slow" p14:dur="2000"/>
+    </mc:Choice>
+    <mc:Fallback xmlns="">
+      <p:transition spd="slow"/>
+    </mc:Fallback>
+  </mc:AlternateContent>
 </p:sld>
 </file>
 
@@ -9494,7 +9646,7 @@
           <a:p>
             <a:pPr algn="l"/>
             <a:r>
-              <a:rPr lang="en-US" sz="7200" dirty="0">
+              <a:rPr lang="en-US" sz="7200" dirty="0" smtClean="0">
                 <a:solidFill>
                   <a:schemeClr val="bg1"/>
                 </a:solidFill>
@@ -9532,7 +9684,7 @@
           <a:lstStyle/>
           <a:p>
             <a:r>
-              <a:rPr lang="en-US" sz="2400" b="1" dirty="0">
+              <a:rPr lang="en-US" sz="2400" b="1" dirty="0" smtClean="0">
                 <a:solidFill>
                   <a:schemeClr val="bg1"/>
                 </a:solidFill>
@@ -9546,7 +9698,7 @@
               <a:buChar char="•"/>
             </a:pPr>
             <a:r>
-              <a:rPr lang="en-US" sz="2400" dirty="0">
+              <a:rPr lang="en-US" sz="2400" dirty="0" smtClean="0">
                 <a:solidFill>
                   <a:schemeClr val="bg1"/>
                 </a:solidFill>
@@ -9566,6 +9718,13 @@
   <p:clrMapOvr>
     <a:masterClrMapping/>
   </p:clrMapOvr>
+  <p:timing>
+    <p:tnLst>
+      <p:par>
+        <p:cTn id="1" dur="indefinite" restart="never" nodeType="tmRoot"/>
+      </p:par>
+    </p:tnLst>
+  </p:timing>
 </p:sld>
 </file>
 
@@ -9639,7 +9798,7 @@
           <a:lstStyle/>
           <a:p>
             <a:r>
-              <a:rPr lang="en-US" sz="6000" dirty="0"/>
+              <a:rPr lang="en-US" sz="6000" dirty="0" smtClean="0"/>
               <a:t>Test Image</a:t>
             </a:r>
             <a:endParaRPr lang="en-SG" sz="6000" dirty="0"/>
@@ -9656,6 +9815,13 @@
   <p:clrMapOvr>
     <a:masterClrMapping/>
   </p:clrMapOvr>
+  <p:timing>
+    <p:tnLst>
+      <p:par>
+        <p:cTn id="1" dur="indefinite" restart="never" nodeType="tmRoot"/>
+      </p:par>
+    </p:tnLst>
+  </p:timing>
 </p:sld>
 </file>
 
@@ -9686,6 +9852,13 @@
   <p:clrMapOvr>
     <a:masterClrMapping/>
   </p:clrMapOvr>
+  <p:timing>
+    <p:tnLst>
+      <p:par>
+        <p:cTn id="1" dur="indefinite" restart="never" nodeType="tmRoot"/>
+      </p:par>
+    </p:tnLst>
+  </p:timing>
 </p:sld>
 </file>
 
@@ -9843,9 +10016,10 @@
           </a:lstStyle>
           <a:p>
             <a:r>
-              <a:rPr lang="en-US" dirty="0"/>
+              <a:rPr lang="en-US" dirty="0" smtClean="0"/>
               <a:t>Pattern</a:t>
             </a:r>
+            <a:endParaRPr lang="en-US" dirty="0"/>
           </a:p>
         </p:txBody>
       </p:sp>
@@ -9859,6 +10033,13 @@
   <p:clrMapOvr>
     <a:masterClrMapping/>
   </p:clrMapOvr>
+  <p:timing>
+    <p:tnLst>
+      <p:par>
+        <p:cTn id="1" dur="indefinite" restart="never" nodeType="tmRoot"/>
+      </p:par>
+    </p:tnLst>
+  </p:timing>
 </p:sld>
 </file>
 
@@ -9889,6 +10070,13 @@
   <p:clrMapOvr>
     <a:masterClrMapping/>
   </p:clrMapOvr>
+  <p:timing>
+    <p:tnLst>
+      <p:par>
+        <p:cTn id="1" dur="indefinite" restart="never" nodeType="tmRoot"/>
+      </p:par>
+    </p:tnLst>
+  </p:timing>
 </p:sld>
 </file>
 
@@ -9962,7 +10150,7 @@
           <a:lstStyle/>
           <a:p>
             <a:r>
-              <a:rPr lang="en-US" sz="6000" dirty="0"/>
+              <a:rPr lang="en-US" sz="6000" dirty="0" smtClean="0"/>
               <a:t>Test Image</a:t>
             </a:r>
             <a:endParaRPr lang="en-SG" sz="6000" dirty="0"/>
@@ -9979,6 +10167,13 @@
   <p:clrMapOvr>
     <a:masterClrMapping/>
   </p:clrMapOvr>
+  <p:timing>
+    <p:tnLst>
+      <p:par>
+        <p:cTn id="1" dur="indefinite" restart="never" nodeType="tmRoot"/>
+      </p:par>
+    </p:tnLst>
+  </p:timing>
 </p:sld>
 </file>
 
@@ -10022,7 +10217,7 @@
           <a:lstStyle/>
           <a:p>
             <a:r>
-              <a:rPr lang="en-US" sz="6000" dirty="0"/>
+              <a:rPr lang="en-US" sz="6000" dirty="0" smtClean="0"/>
               <a:t>A long section</a:t>
             </a:r>
             <a:endParaRPr lang="en-SG" sz="6000" dirty="0"/>
@@ -10039,6 +10234,13 @@
   <p:clrMapOvr>
     <a:masterClrMapping/>
   </p:clrMapOvr>
+  <p:timing>
+    <p:tnLst>
+      <p:par>
+        <p:cTn id="1" dur="indefinite" restart="never" nodeType="tmRoot"/>
+      </p:par>
+    </p:tnLst>
+  </p:timing>
 </p:sld>
 </file>
 
@@ -10077,6 +10279,13 @@
   <p:clrMapOvr>
     <a:masterClrMapping/>
   </p:clrMapOvr>
+  <p:timing>
+    <p:tnLst>
+      <p:par>
+        <p:cTn id="1" dur="indefinite" restart="never" nodeType="tmRoot"/>
+      </p:par>
+    </p:tnLst>
+  </p:timing>
 </p:sld>
 </file>
 
